--- a/Consegna/Presentazione.pptx
+++ b/Consegna/Presentazione.pptx
@@ -5,24 +5,25 @@
     <p:sldMasterId id="2147483695" r:id="rId1"/>
   </p:sldMasterIdLst>
   <p:notesMasterIdLst>
-    <p:notesMasterId r:id="rId17"/>
+    <p:notesMasterId r:id="rId18"/>
   </p:notesMasterIdLst>
   <p:sldIdLst>
     <p:sldId id="256" r:id="rId2"/>
     <p:sldId id="257" r:id="rId3"/>
     <p:sldId id="258" r:id="rId4"/>
-    <p:sldId id="259" r:id="rId5"/>
-    <p:sldId id="267" r:id="rId6"/>
-    <p:sldId id="262" r:id="rId7"/>
-    <p:sldId id="273" r:id="rId8"/>
-    <p:sldId id="268" r:id="rId9"/>
-    <p:sldId id="269" r:id="rId10"/>
-    <p:sldId id="271" r:id="rId11"/>
-    <p:sldId id="275" r:id="rId12"/>
-    <p:sldId id="272" r:id="rId13"/>
-    <p:sldId id="270" r:id="rId14"/>
-    <p:sldId id="274" r:id="rId15"/>
-    <p:sldId id="261" r:id="rId16"/>
+    <p:sldId id="276" r:id="rId5"/>
+    <p:sldId id="259" r:id="rId6"/>
+    <p:sldId id="267" r:id="rId7"/>
+    <p:sldId id="262" r:id="rId8"/>
+    <p:sldId id="273" r:id="rId9"/>
+    <p:sldId id="268" r:id="rId10"/>
+    <p:sldId id="269" r:id="rId11"/>
+    <p:sldId id="271" r:id="rId12"/>
+    <p:sldId id="275" r:id="rId13"/>
+    <p:sldId id="272" r:id="rId14"/>
+    <p:sldId id="270" r:id="rId15"/>
+    <p:sldId id="274" r:id="rId16"/>
+    <p:sldId id="261" r:id="rId17"/>
   </p:sldIdLst>
   <p:sldSz cx="12192000" cy="6858000"/>
   <p:notesSz cx="6858000" cy="9144000"/>
@@ -637,70 +638,6 @@
           <a:bodyPr/>
           <a:lstStyle/>
           <a:p>
-            <a:r>
-              <a:rPr lang="it-CH" dirty="0" smtClean="0"/>
-              <a:t>1-&gt; Problemi con php in </a:t>
-            </a:r>
-            <a:r>
-              <a:rPr lang="it-CH" dirty="0" err="1" smtClean="0"/>
-              <a:t>windows</a:t>
-            </a:r>
-            <a:r>
-              <a:rPr lang="it-CH" dirty="0" smtClean="0"/>
-              <a:t> 8</a:t>
-            </a:r>
-          </a:p>
-          <a:p>
-            <a:r>
-              <a:rPr lang="it-CH" baseline="0" dirty="0" smtClean="0"/>
-              <a:t> Sono passata a </a:t>
-            </a:r>
-            <a:r>
-              <a:rPr lang="it-CH" baseline="0" dirty="0" err="1" smtClean="0"/>
-              <a:t>windows</a:t>
-            </a:r>
-            <a:r>
-              <a:rPr lang="it-CH" baseline="0" dirty="0" smtClean="0"/>
-              <a:t> 10</a:t>
-            </a:r>
-          </a:p>
-          <a:p>
-            <a:endParaRPr lang="it-CH" baseline="0" dirty="0" smtClean="0"/>
-          </a:p>
-          <a:p>
-            <a:r>
-              <a:rPr lang="it-CH" baseline="0" dirty="0" smtClean="0"/>
-              <a:t>2-&gt; Problemi nel salvare i dati inizialmente perché non me li divideva</a:t>
-            </a:r>
-          </a:p>
-          <a:p>
-            <a:r>
-              <a:rPr lang="it-CH" baseline="0" dirty="0" smtClean="0"/>
-              <a:t>  Risolto poco dopo</a:t>
-            </a:r>
-          </a:p>
-          <a:p>
-            <a:r>
-              <a:rPr lang="it-CH" baseline="0" dirty="0" smtClean="0"/>
-              <a:t>  Ho guardato il codice ed era un piccolo errore</a:t>
-            </a:r>
-          </a:p>
-          <a:p>
-            <a:endParaRPr lang="it-CH" baseline="0" dirty="0" smtClean="0"/>
-          </a:p>
-          <a:p>
-            <a:r>
-              <a:rPr lang="it-CH" baseline="0" dirty="0" smtClean="0"/>
-              <a:t>3-&gt; Nessun problema</a:t>
-            </a:r>
-          </a:p>
-          <a:p>
-            <a:r>
-              <a:rPr lang="it-CH" baseline="0" dirty="0" smtClean="0"/>
-              <a:t>     Funzionava tutto subito</a:t>
-            </a:r>
-          </a:p>
-          <a:p>
             <a:endParaRPr lang="it-CH" dirty="0"/>
           </a:p>
         </p:txBody>
@@ -731,7 +668,7 @@
     </p:spTree>
     <p:extLst>
       <p:ext uri="{BB962C8B-B14F-4D97-AF65-F5344CB8AC3E}">
-        <p14:creationId xmlns:p14="http://schemas.microsoft.com/office/powerpoint/2010/main" val="3025080635"/>
+        <p14:creationId xmlns:p14="http://schemas.microsoft.com/office/powerpoint/2010/main" val="90072028"/>
       </p:ext>
     </p:extLst>
   </p:cSld>
@@ -787,81 +724,68 @@
           <a:p>
             <a:r>
               <a:rPr lang="it-CH" dirty="0" smtClean="0"/>
-              <a:t>Problemi -&gt; Pochi, principalmente windows8</a:t>
-            </a:r>
-          </a:p>
-          <a:p>
-            <a:r>
-              <a:rPr lang="it-CH" dirty="0" smtClean="0"/>
-              <a:t>Soluzioni -&gt; </a:t>
+              <a:t>1-&gt; Problemi con php in </a:t>
             </a:r>
             <a:r>
               <a:rPr lang="it-CH" dirty="0" err="1" smtClean="0"/>
               <a:t>windows</a:t>
             </a:r>
             <a:r>
+              <a:rPr lang="it-CH" dirty="0" smtClean="0"/>
+              <a:t> 8</a:t>
+            </a:r>
+          </a:p>
+          <a:p>
+            <a:r>
+              <a:rPr lang="it-CH" baseline="0" dirty="0" smtClean="0"/>
+              <a:t> Sono passata a </a:t>
+            </a:r>
+            <a:r>
+              <a:rPr lang="it-CH" baseline="0" dirty="0" err="1" smtClean="0"/>
+              <a:t>windows</a:t>
+            </a:r>
+            <a:r>
               <a:rPr lang="it-CH" baseline="0" dirty="0" smtClean="0"/>
               <a:t> 10</a:t>
             </a:r>
           </a:p>
           <a:p>
-            <a:r>
-              <a:rPr lang="it-CH" baseline="0" dirty="0" err="1" smtClean="0"/>
-              <a:t>Tempitiche</a:t>
-            </a:r>
+            <a:endParaRPr lang="it-CH" baseline="0" dirty="0" smtClean="0"/>
+          </a:p>
+          <a:p>
             <a:r>
               <a:rPr lang="it-CH" baseline="0" dirty="0" smtClean="0"/>
-              <a:t> -&gt; ho perso tempo</a:t>
-            </a:r>
-            <a:endParaRPr lang="it-CH" dirty="0" smtClean="0"/>
-          </a:p>
-          <a:p>
-            <a:pPr lvl="2"/>
-            <a:r>
-              <a:rPr lang="it-CH" dirty="0" smtClean="0"/>
-              <a:t>Ho calcolato male i tempi e avrò lavorato 5 ore circa a casa</a:t>
-            </a:r>
+              <a:t>2-&gt; Problemi nel salvare i dati inizialmente perché non me li divideva</a:t>
+            </a:r>
+          </a:p>
+          <a:p>
+            <a:r>
+              <a:rPr lang="it-CH" baseline="0" dirty="0" smtClean="0"/>
+              <a:t>  Risolto poco dopo</a:t>
+            </a:r>
+          </a:p>
+          <a:p>
+            <a:r>
+              <a:rPr lang="it-CH" baseline="0" dirty="0" smtClean="0"/>
+              <a:t>  Ho guardato il codice ed era un piccolo errore</a:t>
+            </a:r>
+          </a:p>
+          <a:p>
             <a:endParaRPr lang="it-CH" baseline="0" dirty="0" smtClean="0"/>
           </a:p>
           <a:p>
-            <a:pPr lvl="2"/>
             <a:r>
               <a:rPr lang="it-CH" baseline="0" dirty="0" smtClean="0"/>
-              <a:t>Ho perso tempo nel fare l’interfaccia grafica perché non ho guardato molto l’orario</a:t>
-            </a:r>
-            <a:endParaRPr lang="it-CH" dirty="0" smtClean="0"/>
-          </a:p>
-          <a:p>
-            <a:pPr lvl="2"/>
-            <a:r>
-              <a:rPr lang="it-CH" dirty="0" smtClean="0"/>
-              <a:t>Il progetto è stato più complicato di quanto avevo</a:t>
-            </a:r>
+              <a:t>3-&gt; Nessun problema</a:t>
+            </a:r>
+          </a:p>
+          <a:p>
             <a:r>
               <a:rPr lang="it-CH" baseline="0" dirty="0" smtClean="0"/>
-              <a:t> pensato perché avevo sottovalutato dei punti. Cioè che era da tanto che non usavo ne php ne </a:t>
-            </a:r>
-            <a:r>
-              <a:rPr lang="it-CH" baseline="0" dirty="0" err="1" smtClean="0"/>
-              <a:t>javascript</a:t>
-            </a:r>
-            <a:endParaRPr lang="it-CH" baseline="0" dirty="0" smtClean="0"/>
-          </a:p>
-          <a:p>
-            <a:pPr lvl="2"/>
-            <a:r>
-              <a:rPr lang="it-CH" baseline="0" dirty="0" smtClean="0"/>
-              <a:t>Ci ho ripreso la mano subito ma ho perso un’oretta a riguardare i vecchi esercizi</a:t>
-            </a:r>
-          </a:p>
-          <a:p>
-            <a:endParaRPr lang="it-CH" baseline="0" dirty="0" smtClean="0"/>
-          </a:p>
-          <a:p>
-            <a:r>
-              <a:rPr lang="it-CH" baseline="0" dirty="0" smtClean="0"/>
-              <a:t>Commenti -&gt; È stato un bel progetto, ho imparato che anche se esagero un po’ a piazzare il tempo all’inizio è meglio, così non mi ritrovo a fare tutto all’ultimo</a:t>
-            </a:r>
+              <a:t>     Funzionava tutto subito</a:t>
+            </a:r>
+          </a:p>
+          <a:p>
             <a:endParaRPr lang="it-CH" dirty="0"/>
           </a:p>
         </p:txBody>
@@ -884,6 +808,167 @@
             <a:fld id="{62E71006-93ED-417B-8D1C-79E5B3A3D052}" type="slidenum">
               <a:rPr lang="it-CH" smtClean="0"/>
               <a:t>14</a:t>
+            </a:fld>
+            <a:endParaRPr lang="it-CH"/>
+          </a:p>
+        </p:txBody>
+      </p:sp>
+    </p:spTree>
+    <p:extLst>
+      <p:ext uri="{BB962C8B-B14F-4D97-AF65-F5344CB8AC3E}">
+        <p14:creationId xmlns:p14="http://schemas.microsoft.com/office/powerpoint/2010/main" val="3025080635"/>
+      </p:ext>
+    </p:extLst>
+  </p:cSld>
+  <p:clrMapOvr>
+    <a:masterClrMapping/>
+  </p:clrMapOvr>
+</p:notes>
+</file>
+
+<file path=ppt/notesSlides/notesSlide12.xml><?xml version="1.0" encoding="utf-8"?>
+<p:notes xmlns:a="http://schemas.openxmlformats.org/drawingml/2006/main" xmlns:r="http://schemas.openxmlformats.org/officeDocument/2006/relationships" xmlns:p="http://schemas.openxmlformats.org/presentationml/2006/main">
+  <p:cSld>
+    <p:spTree>
+      <p:nvGrpSpPr>
+        <p:cNvPr id="1" name=""/>
+        <p:cNvGrpSpPr/>
+        <p:nvPr/>
+      </p:nvGrpSpPr>
+      <p:grpSpPr>
+        <a:xfrm>
+          <a:off x="0" y="0"/>
+          <a:ext cx="0" cy="0"/>
+          <a:chOff x="0" y="0"/>
+          <a:chExt cx="0" cy="0"/>
+        </a:xfrm>
+      </p:grpSpPr>
+      <p:sp>
+        <p:nvSpPr>
+          <p:cNvPr id="2" name="Segnaposto immagine diapositiva 1"/>
+          <p:cNvSpPr>
+            <a:spLocks noGrp="1" noRot="1" noChangeAspect="1"/>
+          </p:cNvSpPr>
+          <p:nvPr>
+            <p:ph type="sldImg"/>
+          </p:nvPr>
+        </p:nvSpPr>
+        <p:spPr/>
+      </p:sp>
+      <p:sp>
+        <p:nvSpPr>
+          <p:cNvPr id="3" name="Segnaposto note 2"/>
+          <p:cNvSpPr>
+            <a:spLocks noGrp="1"/>
+          </p:cNvSpPr>
+          <p:nvPr>
+            <p:ph type="body" idx="1"/>
+          </p:nvPr>
+        </p:nvSpPr>
+        <p:spPr/>
+        <p:txBody>
+          <a:bodyPr/>
+          <a:lstStyle/>
+          <a:p>
+            <a:r>
+              <a:rPr lang="it-CH" dirty="0" smtClean="0"/>
+              <a:t>Problemi -&gt; Pochi, principalmente windows8</a:t>
+            </a:r>
+          </a:p>
+          <a:p>
+            <a:r>
+              <a:rPr lang="it-CH" dirty="0" smtClean="0"/>
+              <a:t>Soluzioni -&gt; </a:t>
+            </a:r>
+            <a:r>
+              <a:rPr lang="it-CH" dirty="0" err="1" smtClean="0"/>
+              <a:t>windows</a:t>
+            </a:r>
+            <a:r>
+              <a:rPr lang="it-CH" baseline="0" dirty="0" smtClean="0"/>
+              <a:t> 10</a:t>
+            </a:r>
+          </a:p>
+          <a:p>
+            <a:r>
+              <a:rPr lang="it-CH" baseline="0" dirty="0" err="1" smtClean="0"/>
+              <a:t>Tempitiche</a:t>
+            </a:r>
+            <a:r>
+              <a:rPr lang="it-CH" baseline="0" dirty="0" smtClean="0"/>
+              <a:t> -&gt; ho perso tempo</a:t>
+            </a:r>
+            <a:endParaRPr lang="it-CH" dirty="0" smtClean="0"/>
+          </a:p>
+          <a:p>
+            <a:pPr lvl="2"/>
+            <a:r>
+              <a:rPr lang="it-CH" dirty="0" smtClean="0"/>
+              <a:t>Ho calcolato male i tempi e avrò lavorato 5 ore circa a casa</a:t>
+            </a:r>
+            <a:endParaRPr lang="it-CH" baseline="0" dirty="0" smtClean="0"/>
+          </a:p>
+          <a:p>
+            <a:pPr lvl="2"/>
+            <a:r>
+              <a:rPr lang="it-CH" baseline="0" dirty="0" smtClean="0"/>
+              <a:t>Ho perso tempo nel fare l’interfaccia grafica perché non ho guardato molto l’orario</a:t>
+            </a:r>
+            <a:endParaRPr lang="it-CH" dirty="0" smtClean="0"/>
+          </a:p>
+          <a:p>
+            <a:pPr lvl="2"/>
+            <a:r>
+              <a:rPr lang="it-CH" dirty="0" smtClean="0"/>
+              <a:t>Il progetto è stato più complicato di quanto avevo</a:t>
+            </a:r>
+            <a:r>
+              <a:rPr lang="it-CH" baseline="0" dirty="0" smtClean="0"/>
+              <a:t> pensato perché avevo sottovalutato dei punti. Cioè che era da tanto che non usavo ne php ne </a:t>
+            </a:r>
+            <a:r>
+              <a:rPr lang="it-CH" baseline="0" dirty="0" err="1" smtClean="0"/>
+              <a:t>javascript</a:t>
+            </a:r>
+            <a:endParaRPr lang="it-CH" baseline="0" dirty="0" smtClean="0"/>
+          </a:p>
+          <a:p>
+            <a:pPr lvl="2"/>
+            <a:r>
+              <a:rPr lang="it-CH" baseline="0" dirty="0" smtClean="0"/>
+              <a:t>Ci ho ripreso la mano subito ma ho perso un’oretta a riguardare i vecchi esercizi</a:t>
+            </a:r>
+          </a:p>
+          <a:p>
+            <a:endParaRPr lang="it-CH" baseline="0" dirty="0" smtClean="0"/>
+          </a:p>
+          <a:p>
+            <a:r>
+              <a:rPr lang="it-CH" baseline="0" dirty="0" smtClean="0"/>
+              <a:t>Commenti -&gt; È stato un bel progetto, ho imparato che anche se esagero un po’ a piazzare il tempo all’inizio è meglio, così non mi ritrovo a fare tutto all’ultimo</a:t>
+            </a:r>
+            <a:endParaRPr lang="it-CH" dirty="0"/>
+          </a:p>
+        </p:txBody>
+      </p:sp>
+      <p:sp>
+        <p:nvSpPr>
+          <p:cNvPr id="4" name="Segnaposto numero diapositiva 3"/>
+          <p:cNvSpPr>
+            <a:spLocks noGrp="1"/>
+          </p:cNvSpPr>
+          <p:nvPr>
+            <p:ph type="sldNum" sz="quarter" idx="10"/>
+          </p:nvPr>
+        </p:nvSpPr>
+        <p:spPr/>
+        <p:txBody>
+          <a:bodyPr/>
+          <a:lstStyle/>
+          <a:p>
+            <a:fld id="{62E71006-93ED-417B-8D1C-79E5B3A3D052}" type="slidenum">
+              <a:rPr lang="it-CH" smtClean="0"/>
+              <a:t>15</a:t>
             </a:fld>
             <a:endParaRPr lang="it-CH"/>
           </a:p>
@@ -948,13 +1033,24 @@
           <a:p>
             <a:r>
               <a:rPr lang="it-CH" dirty="0" smtClean="0"/>
-              <a:t>Spiegare i</a:t>
+              <a:t>Nel QDC</a:t>
             </a:r>
             <a:r>
               <a:rPr lang="it-CH" baseline="0" dirty="0" smtClean="0"/>
-              <a:t> vari requisiti, come li hai fatti, come sono andati nell’implementazione.</a:t>
-            </a:r>
-            <a:endParaRPr lang="it-CH" dirty="0"/>
+              <a:t> ci è stato richiesto di fare una pagina internet con al suo interno diversi campi in cui inserire i dati richiesti, come nome, cognome e così via.</a:t>
+            </a:r>
+          </a:p>
+          <a:p>
+            <a:r>
+              <a:rPr lang="it-CH" baseline="0" dirty="0" smtClean="0"/>
+              <a:t>I dati vengono poi salvati in un file csv.</a:t>
+            </a:r>
+          </a:p>
+          <a:p>
+            <a:r>
+              <a:rPr lang="it-CH" baseline="0" dirty="0" smtClean="0"/>
+              <a:t>Cos’è? È un file da cui si può creare una tabella facilmente, la prima riga rappresenta le colonne e le altre i campi.</a:t>
+            </a:r>
           </a:p>
         </p:txBody>
       </p:sp>
@@ -984,7 +1080,7 @@
     </p:spTree>
     <p:extLst>
       <p:ext uri="{BB962C8B-B14F-4D97-AF65-F5344CB8AC3E}">
-        <p14:creationId xmlns:p14="http://schemas.microsoft.com/office/powerpoint/2010/main" val="2559411605"/>
+        <p14:creationId xmlns:p14="http://schemas.microsoft.com/office/powerpoint/2010/main" val="2760064490"/>
       </p:ext>
     </p:extLst>
   </p:cSld>
@@ -1038,6 +1134,14 @@
           <a:bodyPr/>
           <a:lstStyle/>
           <a:p>
+            <a:r>
+              <a:rPr lang="it-CH" dirty="0" smtClean="0"/>
+              <a:t>Spiegare i</a:t>
+            </a:r>
+            <a:r>
+              <a:rPr lang="it-CH" baseline="0" dirty="0" smtClean="0"/>
+              <a:t> vari requisiti, come li hai fatti, come sono andati nell’implementazione.</a:t>
+            </a:r>
             <a:endParaRPr lang="it-CH" dirty="0"/>
           </a:p>
         </p:txBody>
@@ -1059,7 +1163,7 @@
           <a:p>
             <a:fld id="{62E71006-93ED-417B-8D1C-79E5B3A3D052}" type="slidenum">
               <a:rPr lang="it-CH" smtClean="0"/>
-              <a:t>6</a:t>
+              <a:t>5</a:t>
             </a:fld>
             <a:endParaRPr lang="it-CH"/>
           </a:p>
@@ -1068,7 +1172,7 @@
     </p:spTree>
     <p:extLst>
       <p:ext uri="{BB962C8B-B14F-4D97-AF65-F5344CB8AC3E}">
-        <p14:creationId xmlns:p14="http://schemas.microsoft.com/office/powerpoint/2010/main" val="4176679473"/>
+        <p14:creationId xmlns:p14="http://schemas.microsoft.com/office/powerpoint/2010/main" val="2559411605"/>
       </p:ext>
     </p:extLst>
   </p:cSld>
@@ -1152,7 +1256,7 @@
     </p:spTree>
     <p:extLst>
       <p:ext uri="{BB962C8B-B14F-4D97-AF65-F5344CB8AC3E}">
-        <p14:creationId xmlns:p14="http://schemas.microsoft.com/office/powerpoint/2010/main" val="2414755422"/>
+        <p14:creationId xmlns:p14="http://schemas.microsoft.com/office/powerpoint/2010/main" val="4176679473"/>
       </p:ext>
     </p:extLst>
   </p:cSld>
@@ -1206,14 +1310,6 @@
           <a:bodyPr/>
           <a:lstStyle/>
           <a:p>
-            <a:r>
-              <a:rPr lang="it-CH" dirty="0" smtClean="0"/>
-              <a:t>L’idea iniziale</a:t>
-            </a:r>
-            <a:r>
-              <a:rPr lang="it-CH" baseline="0" dirty="0" smtClean="0"/>
-              <a:t> dell’interfaccia era questa</a:t>
-            </a:r>
             <a:endParaRPr lang="it-CH" dirty="0"/>
           </a:p>
         </p:txBody>
@@ -1244,7 +1340,7 @@
     </p:spTree>
     <p:extLst>
       <p:ext uri="{BB962C8B-B14F-4D97-AF65-F5344CB8AC3E}">
-        <p14:creationId xmlns:p14="http://schemas.microsoft.com/office/powerpoint/2010/main" val="1725124839"/>
+        <p14:creationId xmlns:p14="http://schemas.microsoft.com/office/powerpoint/2010/main" val="2414755422"/>
       </p:ext>
     </p:extLst>
   </p:cSld>
@@ -1300,43 +1396,12 @@
           <a:p>
             <a:r>
               <a:rPr lang="it-CH" dirty="0" smtClean="0"/>
-              <a:t>Sono riuscita a mantenerla abbastanza bene</a:t>
-            </a:r>
-          </a:p>
-          <a:p>
-            <a:endParaRPr lang="it-CH" dirty="0" smtClean="0"/>
-          </a:p>
-          <a:p>
-            <a:r>
-              <a:rPr lang="it-CH" dirty="0" smtClean="0"/>
-              <a:t>Perché</a:t>
+              <a:t>L’idea iniziale</a:t>
             </a:r>
             <a:r>
               <a:rPr lang="it-CH" baseline="0" dirty="0" smtClean="0"/>
-              <a:t> non tutti i campi obbligatori?</a:t>
-            </a:r>
-          </a:p>
-          <a:p>
-            <a:r>
-              <a:rPr lang="it-CH" baseline="0" dirty="0" smtClean="0"/>
-              <a:t>Per questione di utilità e vedo come mia mamma o io spesso compiliamo i campi e molti di quelli che ci sono evitiamo di metterli, l’email non è  essenziale, c’è il </a:t>
-            </a:r>
-            <a:r>
-              <a:rPr lang="it-CH" baseline="0" dirty="0" err="1" smtClean="0"/>
-              <a:t>umero</a:t>
-            </a:r>
-            <a:r>
-              <a:rPr lang="it-CH" baseline="0" dirty="0" smtClean="0"/>
-              <a:t> di telefono</a:t>
-            </a:r>
-          </a:p>
-          <a:p>
-            <a:r>
-              <a:rPr lang="it-CH" baseline="0" dirty="0" smtClean="0"/>
-              <a:t>Numero di casa non tutti lo hanno</a:t>
-            </a:r>
-          </a:p>
-          <a:p>
+              <a:t> dell’interfaccia era questa</a:t>
+            </a:r>
             <a:endParaRPr lang="it-CH" dirty="0"/>
           </a:p>
         </p:txBody>
@@ -1367,7 +1432,7 @@
     </p:spTree>
     <p:extLst>
       <p:ext uri="{BB962C8B-B14F-4D97-AF65-F5344CB8AC3E}">
-        <p14:creationId xmlns:p14="http://schemas.microsoft.com/office/powerpoint/2010/main" val="2616640948"/>
+        <p14:creationId xmlns:p14="http://schemas.microsoft.com/office/powerpoint/2010/main" val="1725124839"/>
       </p:ext>
     </p:extLst>
   </p:cSld>
@@ -1423,8 +1488,43 @@
           <a:p>
             <a:r>
               <a:rPr lang="it-CH" dirty="0" smtClean="0"/>
-              <a:t>Sono riuscita a mantenerla abbastanza bene, </a:t>
-            </a:r>
+              <a:t>Sono riuscita a mantenerla abbastanza bene</a:t>
+            </a:r>
+          </a:p>
+          <a:p>
+            <a:endParaRPr lang="it-CH" dirty="0" smtClean="0"/>
+          </a:p>
+          <a:p>
+            <a:r>
+              <a:rPr lang="it-CH" dirty="0" smtClean="0"/>
+              <a:t>Perché</a:t>
+            </a:r>
+            <a:r>
+              <a:rPr lang="it-CH" baseline="0" dirty="0" smtClean="0"/>
+              <a:t> non tutti i campi obbligatori?</a:t>
+            </a:r>
+          </a:p>
+          <a:p>
+            <a:r>
+              <a:rPr lang="it-CH" baseline="0" dirty="0" smtClean="0"/>
+              <a:t>Per questione di utilità e vedo come mia mamma o io spesso compiliamo i campi e molti di quelli che ci sono evitiamo di metterli, l’email non è  essenziale, c’è il </a:t>
+            </a:r>
+            <a:r>
+              <a:rPr lang="it-CH" baseline="0" dirty="0" err="1" smtClean="0"/>
+              <a:t>umero</a:t>
+            </a:r>
+            <a:r>
+              <a:rPr lang="it-CH" baseline="0" dirty="0" smtClean="0"/>
+              <a:t> di telefono</a:t>
+            </a:r>
+          </a:p>
+          <a:p>
+            <a:r>
+              <a:rPr lang="it-CH" baseline="0" dirty="0" smtClean="0"/>
+              <a:t>Numero di casa non tutti lo hanno</a:t>
+            </a:r>
+          </a:p>
+          <a:p>
             <a:endParaRPr lang="it-CH" dirty="0"/>
           </a:p>
         </p:txBody>
@@ -1455,7 +1555,7 @@
     </p:spTree>
     <p:extLst>
       <p:ext uri="{BB962C8B-B14F-4D97-AF65-F5344CB8AC3E}">
-        <p14:creationId xmlns:p14="http://schemas.microsoft.com/office/powerpoint/2010/main" val="4010045076"/>
+        <p14:creationId xmlns:p14="http://schemas.microsoft.com/office/powerpoint/2010/main" val="2616640948"/>
       </p:ext>
     </p:extLst>
   </p:cSld>
@@ -1509,6 +1609,10 @@
           <a:bodyPr/>
           <a:lstStyle/>
           <a:p>
+            <a:r>
+              <a:rPr lang="it-CH" dirty="0" smtClean="0"/>
+              <a:t>Sono riuscita a mantenerla abbastanza bene, </a:t>
+            </a:r>
             <a:endParaRPr lang="it-CH" dirty="0"/>
           </a:p>
         </p:txBody>
@@ -1539,7 +1643,7 @@
     </p:spTree>
     <p:extLst>
       <p:ext uri="{BB962C8B-B14F-4D97-AF65-F5344CB8AC3E}">
-        <p14:creationId xmlns:p14="http://schemas.microsoft.com/office/powerpoint/2010/main" val="3518318189"/>
+        <p14:creationId xmlns:p14="http://schemas.microsoft.com/office/powerpoint/2010/main" val="4010045076"/>
       </p:ext>
     </p:extLst>
   </p:cSld>
@@ -1623,7 +1727,7 @@
     </p:spTree>
     <p:extLst>
       <p:ext uri="{BB962C8B-B14F-4D97-AF65-F5344CB8AC3E}">
-        <p14:creationId xmlns:p14="http://schemas.microsoft.com/office/powerpoint/2010/main" val="90072028"/>
+        <p14:creationId xmlns:p14="http://schemas.microsoft.com/office/powerpoint/2010/main" val="3518318189"/>
       </p:ext>
     </p:extLst>
   </p:cSld>
@@ -7464,6 +7568,498 @@
       </p:sp>
       <p:pic>
         <p:nvPicPr>
+          <p:cNvPr id="4" name="Segnaposto contenuto 3"/>
+          <p:cNvPicPr>
+            <a:picLocks noGrp="1" noChangeAspect="1"/>
+          </p:cNvPicPr>
+          <p:nvPr>
+            <p:ph idx="1"/>
+          </p:nvPr>
+        </p:nvPicPr>
+        <p:blipFill rotWithShape="1">
+          <a:blip r:embed="rId3"/>
+          <a:srcRect l="11182" t="581" r="9805"/>
+          <a:stretch/>
+        </p:blipFill>
+        <p:spPr>
+          <a:xfrm>
+            <a:off x="2268439" y="1270000"/>
+            <a:ext cx="7005563" cy="4958398"/>
+          </a:xfrm>
+          <a:prstGeom prst="rect">
+            <a:avLst/>
+          </a:prstGeom>
+          <a:ln w="38100">
+            <a:solidFill>
+              <a:schemeClr val="accent1"/>
+            </a:solidFill>
+          </a:ln>
+        </p:spPr>
+      </p:pic>
+      <p:grpSp>
+        <p:nvGrpSpPr>
+          <p:cNvPr id="18" name="Gruppo 17"/>
+          <p:cNvGrpSpPr/>
+          <p:nvPr/>
+        </p:nvGrpSpPr>
+        <p:grpSpPr>
+          <a:xfrm>
+            <a:off x="2268439" y="1383030"/>
+            <a:ext cx="3217949" cy="4845368"/>
+            <a:chOff x="2268439" y="1383030"/>
+            <a:chExt cx="3217949" cy="4845368"/>
+          </a:xfrm>
+        </p:grpSpPr>
+        <p:sp>
+          <p:nvSpPr>
+            <p:cNvPr id="8" name="CasellaDiTesto 7"/>
+            <p:cNvSpPr txBox="1"/>
+            <p:nvPr/>
+          </p:nvSpPr>
+          <p:spPr>
+            <a:xfrm>
+              <a:off x="2268439" y="5766733"/>
+              <a:ext cx="3083136" cy="461665"/>
+            </a:xfrm>
+            <a:prstGeom prst="rect">
+              <a:avLst/>
+            </a:prstGeom>
+            <a:noFill/>
+          </p:spPr>
+          <p:txBody>
+            <a:bodyPr wrap="square" rtlCol="0">
+              <a:spAutoFit/>
+            </a:bodyPr>
+            <a:lstStyle/>
+            <a:p>
+              <a:r>
+                <a:rPr lang="it-CH" sz="2400" dirty="0" smtClean="0">
+                  <a:solidFill>
+                    <a:srgbClr val="FF0000"/>
+                  </a:solidFill>
+                </a:rPr>
+                <a:t>*</a:t>
+              </a:r>
+              <a:r>
+                <a:rPr lang="it-CH" sz="2400" dirty="0" smtClean="0"/>
+                <a:t> Campi obbligatori</a:t>
+              </a:r>
+              <a:endParaRPr lang="it-CH" dirty="0">
+                <a:solidFill>
+                  <a:srgbClr val="FF0000"/>
+                </a:solidFill>
+              </a:endParaRPr>
+            </a:p>
+          </p:txBody>
+        </p:sp>
+        <p:sp>
+          <p:nvSpPr>
+            <p:cNvPr id="9" name="CasellaDiTesto 8"/>
+            <p:cNvSpPr txBox="1"/>
+            <p:nvPr/>
+          </p:nvSpPr>
+          <p:spPr>
+            <a:xfrm>
+              <a:off x="5216762" y="1383030"/>
+              <a:ext cx="269626" cy="369332"/>
+            </a:xfrm>
+            <a:prstGeom prst="rect">
+              <a:avLst/>
+            </a:prstGeom>
+            <a:noFill/>
+          </p:spPr>
+          <p:txBody>
+            <a:bodyPr wrap="none" rtlCol="0">
+              <a:spAutoFit/>
+            </a:bodyPr>
+            <a:lstStyle/>
+            <a:p>
+              <a:r>
+                <a:rPr lang="it-CH" dirty="0" smtClean="0">
+                  <a:solidFill>
+                    <a:srgbClr val="FF0000"/>
+                  </a:solidFill>
+                </a:rPr>
+                <a:t>*</a:t>
+              </a:r>
+              <a:endParaRPr lang="it-CH" dirty="0">
+                <a:solidFill>
+                  <a:srgbClr val="FF0000"/>
+                </a:solidFill>
+              </a:endParaRPr>
+            </a:p>
+          </p:txBody>
+        </p:sp>
+        <p:sp>
+          <p:nvSpPr>
+            <p:cNvPr id="10" name="CasellaDiTesto 9"/>
+            <p:cNvSpPr txBox="1"/>
+            <p:nvPr/>
+          </p:nvSpPr>
+          <p:spPr>
+            <a:xfrm>
+              <a:off x="5081949" y="1567696"/>
+              <a:ext cx="269626" cy="369332"/>
+            </a:xfrm>
+            <a:prstGeom prst="rect">
+              <a:avLst/>
+            </a:prstGeom>
+            <a:noFill/>
+          </p:spPr>
+          <p:txBody>
+            <a:bodyPr wrap="none" rtlCol="0">
+              <a:spAutoFit/>
+            </a:bodyPr>
+            <a:lstStyle/>
+            <a:p>
+              <a:r>
+                <a:rPr lang="it-CH" dirty="0" smtClean="0">
+                  <a:solidFill>
+                    <a:srgbClr val="FF0000"/>
+                  </a:solidFill>
+                </a:rPr>
+                <a:t>*</a:t>
+              </a:r>
+              <a:endParaRPr lang="it-CH" dirty="0">
+                <a:solidFill>
+                  <a:srgbClr val="FF0000"/>
+                </a:solidFill>
+              </a:endParaRPr>
+            </a:p>
+          </p:txBody>
+        </p:sp>
+        <p:sp>
+          <p:nvSpPr>
+            <p:cNvPr id="11" name="CasellaDiTesto 10"/>
+            <p:cNvSpPr txBox="1"/>
+            <p:nvPr/>
+          </p:nvSpPr>
+          <p:spPr>
+            <a:xfrm>
+              <a:off x="4879730" y="1752878"/>
+              <a:ext cx="269626" cy="369332"/>
+            </a:xfrm>
+            <a:prstGeom prst="rect">
+              <a:avLst/>
+            </a:prstGeom>
+            <a:noFill/>
+          </p:spPr>
+          <p:txBody>
+            <a:bodyPr wrap="none" rtlCol="0">
+              <a:spAutoFit/>
+            </a:bodyPr>
+            <a:lstStyle/>
+            <a:p>
+              <a:r>
+                <a:rPr lang="it-CH" dirty="0" smtClean="0">
+                  <a:solidFill>
+                    <a:srgbClr val="FF0000"/>
+                  </a:solidFill>
+                </a:rPr>
+                <a:t>*</a:t>
+              </a:r>
+              <a:endParaRPr lang="it-CH" dirty="0">
+                <a:solidFill>
+                  <a:srgbClr val="FF0000"/>
+                </a:solidFill>
+              </a:endParaRPr>
+            </a:p>
+          </p:txBody>
+        </p:sp>
+        <p:sp>
+          <p:nvSpPr>
+            <p:cNvPr id="12" name="CasellaDiTesto 11"/>
+            <p:cNvSpPr txBox="1"/>
+            <p:nvPr/>
+          </p:nvSpPr>
+          <p:spPr>
+            <a:xfrm>
+              <a:off x="5149356" y="1974810"/>
+              <a:ext cx="269626" cy="369332"/>
+            </a:xfrm>
+            <a:prstGeom prst="rect">
+              <a:avLst/>
+            </a:prstGeom>
+            <a:noFill/>
+          </p:spPr>
+          <p:txBody>
+            <a:bodyPr wrap="none" rtlCol="0">
+              <a:spAutoFit/>
+            </a:bodyPr>
+            <a:lstStyle/>
+            <a:p>
+              <a:r>
+                <a:rPr lang="it-CH" dirty="0" smtClean="0">
+                  <a:solidFill>
+                    <a:srgbClr val="FF0000"/>
+                  </a:solidFill>
+                </a:rPr>
+                <a:t>*</a:t>
+              </a:r>
+              <a:endParaRPr lang="it-CH" dirty="0">
+                <a:solidFill>
+                  <a:srgbClr val="FF0000"/>
+                </a:solidFill>
+              </a:endParaRPr>
+            </a:p>
+          </p:txBody>
+        </p:sp>
+        <p:sp>
+          <p:nvSpPr>
+            <p:cNvPr id="13" name="CasellaDiTesto 12"/>
+            <p:cNvSpPr txBox="1"/>
+            <p:nvPr/>
+          </p:nvSpPr>
+          <p:spPr>
+            <a:xfrm>
+              <a:off x="5049994" y="2166620"/>
+              <a:ext cx="269626" cy="369332"/>
+            </a:xfrm>
+            <a:prstGeom prst="rect">
+              <a:avLst/>
+            </a:prstGeom>
+            <a:noFill/>
+          </p:spPr>
+          <p:txBody>
+            <a:bodyPr wrap="none" rtlCol="0">
+              <a:spAutoFit/>
+            </a:bodyPr>
+            <a:lstStyle/>
+            <a:p>
+              <a:r>
+                <a:rPr lang="it-CH" dirty="0" smtClean="0">
+                  <a:solidFill>
+                    <a:srgbClr val="FF0000"/>
+                  </a:solidFill>
+                </a:rPr>
+                <a:t>*</a:t>
+              </a:r>
+              <a:endParaRPr lang="it-CH" dirty="0">
+                <a:solidFill>
+                  <a:srgbClr val="FF0000"/>
+                </a:solidFill>
+              </a:endParaRPr>
+            </a:p>
+          </p:txBody>
+        </p:sp>
+        <p:sp>
+          <p:nvSpPr>
+            <p:cNvPr id="14" name="CasellaDiTesto 13"/>
+            <p:cNvSpPr txBox="1"/>
+            <p:nvPr/>
+          </p:nvSpPr>
+          <p:spPr>
+            <a:xfrm>
+              <a:off x="4987086" y="2827020"/>
+              <a:ext cx="269626" cy="369332"/>
+            </a:xfrm>
+            <a:prstGeom prst="rect">
+              <a:avLst/>
+            </a:prstGeom>
+            <a:noFill/>
+          </p:spPr>
+          <p:txBody>
+            <a:bodyPr wrap="none" rtlCol="0">
+              <a:spAutoFit/>
+            </a:bodyPr>
+            <a:lstStyle/>
+            <a:p>
+              <a:r>
+                <a:rPr lang="it-CH" dirty="0" smtClean="0">
+                  <a:solidFill>
+                    <a:srgbClr val="FF0000"/>
+                  </a:solidFill>
+                </a:rPr>
+                <a:t>*</a:t>
+              </a:r>
+              <a:endParaRPr lang="it-CH" dirty="0">
+                <a:solidFill>
+                  <a:srgbClr val="FF0000"/>
+                </a:solidFill>
+              </a:endParaRPr>
+            </a:p>
+          </p:txBody>
+        </p:sp>
+        <p:sp>
+          <p:nvSpPr>
+            <p:cNvPr id="15" name="CasellaDiTesto 14"/>
+            <p:cNvSpPr txBox="1"/>
+            <p:nvPr/>
+          </p:nvSpPr>
+          <p:spPr>
+            <a:xfrm>
+              <a:off x="4823741" y="3011686"/>
+              <a:ext cx="269626" cy="369332"/>
+            </a:xfrm>
+            <a:prstGeom prst="rect">
+              <a:avLst/>
+            </a:prstGeom>
+            <a:noFill/>
+          </p:spPr>
+          <p:txBody>
+            <a:bodyPr wrap="none" rtlCol="0">
+              <a:spAutoFit/>
+            </a:bodyPr>
+            <a:lstStyle/>
+            <a:p>
+              <a:r>
+                <a:rPr lang="it-CH" dirty="0" smtClean="0">
+                  <a:solidFill>
+                    <a:srgbClr val="FF0000"/>
+                  </a:solidFill>
+                </a:rPr>
+                <a:t>*</a:t>
+              </a:r>
+              <a:endParaRPr lang="it-CH" dirty="0">
+                <a:solidFill>
+                  <a:srgbClr val="FF0000"/>
+                </a:solidFill>
+              </a:endParaRPr>
+            </a:p>
+          </p:txBody>
+        </p:sp>
+        <p:sp>
+          <p:nvSpPr>
+            <p:cNvPr id="16" name="CasellaDiTesto 15"/>
+            <p:cNvSpPr txBox="1"/>
+            <p:nvPr/>
+          </p:nvSpPr>
+          <p:spPr>
+            <a:xfrm>
+              <a:off x="4542673" y="3564533"/>
+              <a:ext cx="269626" cy="369332"/>
+            </a:xfrm>
+            <a:prstGeom prst="rect">
+              <a:avLst/>
+            </a:prstGeom>
+            <a:noFill/>
+          </p:spPr>
+          <p:txBody>
+            <a:bodyPr wrap="none" rtlCol="0">
+              <a:spAutoFit/>
+            </a:bodyPr>
+            <a:lstStyle/>
+            <a:p>
+              <a:r>
+                <a:rPr lang="it-CH" dirty="0" smtClean="0">
+                  <a:solidFill>
+                    <a:srgbClr val="FF0000"/>
+                  </a:solidFill>
+                </a:rPr>
+                <a:t>*</a:t>
+              </a:r>
+              <a:endParaRPr lang="it-CH" dirty="0">
+                <a:solidFill>
+                  <a:srgbClr val="FF0000"/>
+                </a:solidFill>
+              </a:endParaRPr>
+            </a:p>
+          </p:txBody>
+        </p:sp>
+        <p:sp>
+          <p:nvSpPr>
+            <p:cNvPr id="17" name="CasellaDiTesto 16"/>
+            <p:cNvSpPr txBox="1"/>
+            <p:nvPr/>
+          </p:nvSpPr>
+          <p:spPr>
+            <a:xfrm>
+              <a:off x="4273047" y="4224933"/>
+              <a:ext cx="269626" cy="369332"/>
+            </a:xfrm>
+            <a:prstGeom prst="rect">
+              <a:avLst/>
+            </a:prstGeom>
+            <a:noFill/>
+          </p:spPr>
+          <p:txBody>
+            <a:bodyPr wrap="none" rtlCol="0">
+              <a:spAutoFit/>
+            </a:bodyPr>
+            <a:lstStyle/>
+            <a:p>
+              <a:r>
+                <a:rPr lang="it-CH" dirty="0" smtClean="0">
+                  <a:solidFill>
+                    <a:srgbClr val="FF0000"/>
+                  </a:solidFill>
+                </a:rPr>
+                <a:t>*</a:t>
+              </a:r>
+              <a:endParaRPr lang="it-CH" dirty="0">
+                <a:solidFill>
+                  <a:srgbClr val="FF0000"/>
+                </a:solidFill>
+              </a:endParaRPr>
+            </a:p>
+          </p:txBody>
+        </p:sp>
+      </p:grpSp>
+    </p:spTree>
+    <p:extLst>
+      <p:ext uri="{BB962C8B-B14F-4D97-AF65-F5344CB8AC3E}">
+        <p14:creationId xmlns:p14="http://schemas.microsoft.com/office/powerpoint/2010/main" val="3084091397"/>
+      </p:ext>
+    </p:extLst>
+  </p:cSld>
+  <p:clrMapOvr>
+    <a:masterClrMapping/>
+  </p:clrMapOvr>
+  <p:transition spd="slow">
+    <p:push dir="u"/>
+  </p:transition>
+  <p:timing>
+    <p:tnLst>
+      <p:par>
+        <p:cTn id="1" dur="indefinite" restart="never" nodeType="tmRoot"/>
+      </p:par>
+    </p:tnLst>
+  </p:timing>
+</p:sld>
+</file>
+
+<file path=ppt/slides/slide11.xml><?xml version="1.0" encoding="utf-8"?>
+<p:sld xmlns:a="http://schemas.openxmlformats.org/drawingml/2006/main" xmlns:r="http://schemas.openxmlformats.org/officeDocument/2006/relationships" xmlns:p="http://schemas.openxmlformats.org/presentationml/2006/main">
+  <p:cSld>
+    <p:spTree>
+      <p:nvGrpSpPr>
+        <p:cNvPr id="1" name=""/>
+        <p:cNvGrpSpPr/>
+        <p:nvPr/>
+      </p:nvGrpSpPr>
+      <p:grpSpPr>
+        <a:xfrm>
+          <a:off x="0" y="0"/>
+          <a:ext cx="0" cy="0"/>
+          <a:chOff x="0" y="0"/>
+          <a:chExt cx="0" cy="0"/>
+        </a:xfrm>
+      </p:grpSpPr>
+      <p:sp>
+        <p:nvSpPr>
+          <p:cNvPr id="2" name="Titolo 1"/>
+          <p:cNvSpPr>
+            <a:spLocks noGrp="1"/>
+          </p:cNvSpPr>
+          <p:nvPr>
+            <p:ph type="title"/>
+          </p:nvPr>
+        </p:nvSpPr>
+        <p:spPr/>
+        <p:txBody>
+          <a:bodyPr/>
+          <a:lstStyle/>
+          <a:p>
+            <a:r>
+              <a:rPr lang="it-CH" dirty="0" smtClean="0"/>
+              <a:t>Implementazione –Interfaccia Definitiva</a:t>
+            </a:r>
+            <a:endParaRPr lang="it-CH" dirty="0"/>
+          </a:p>
+        </p:txBody>
+      </p:sp>
+      <p:pic>
+        <p:nvPicPr>
           <p:cNvPr id="7" name="Segnaposto contenuto 4"/>
           <p:cNvPicPr>
             <a:picLocks noGrp="1" noChangeAspect="1"/>
@@ -7746,7 +8342,7 @@
 </p:sld>
 </file>
 
-<file path=ppt/slides/slide11.xml><?xml version="1.0" encoding="utf-8"?>
+<file path=ppt/slides/slide12.xml><?xml version="1.0" encoding="utf-8"?>
 <p:sld xmlns:a="http://schemas.openxmlformats.org/drawingml/2006/main" xmlns:r="http://schemas.openxmlformats.org/officeDocument/2006/relationships" xmlns:p="http://schemas.openxmlformats.org/presentationml/2006/main">
   <p:cSld>
     <p:spTree>
@@ -8592,7 +9188,7 @@
 </p:sld>
 </file>
 
-<file path=ppt/slides/slide12.xml><?xml version="1.0" encoding="utf-8"?>
+<file path=ppt/slides/slide13.xml><?xml version="1.0" encoding="utf-8"?>
 <p:sld xmlns:a="http://schemas.openxmlformats.org/drawingml/2006/main" xmlns:r="http://schemas.openxmlformats.org/officeDocument/2006/relationships" xmlns:p="http://schemas.openxmlformats.org/presentationml/2006/main">
   <p:cSld>
     <p:spTree>
@@ -8927,7 +9523,7 @@
 </p:sld>
 </file>
 
-<file path=ppt/slides/slide13.xml><?xml version="1.0" encoding="utf-8"?>
+<file path=ppt/slides/slide14.xml><?xml version="1.0" encoding="utf-8"?>
 <p:sld xmlns:a="http://schemas.openxmlformats.org/drawingml/2006/main" xmlns:r="http://schemas.openxmlformats.org/officeDocument/2006/relationships" xmlns:p="http://schemas.openxmlformats.org/presentationml/2006/main">
   <p:cSld>
     <p:spTree>
@@ -11165,7 +11761,7 @@
 </p:sld>
 </file>
 
-<file path=ppt/slides/slide14.xml><?xml version="1.0" encoding="utf-8"?>
+<file path=ppt/slides/slide15.xml><?xml version="1.0" encoding="utf-8"?>
 <p:sld xmlns:a="http://schemas.openxmlformats.org/drawingml/2006/main" xmlns:r="http://schemas.openxmlformats.org/officeDocument/2006/relationships" xmlns:p="http://schemas.openxmlformats.org/presentationml/2006/main">
   <p:cSld>
     <p:spTree>
@@ -11194,7 +11790,7 @@
         </p:nvSpPr>
         <p:spPr>
           <a:xfrm>
-            <a:off x="3935217" y="2883568"/>
+            <a:off x="721697" y="509609"/>
             <a:ext cx="4321565" cy="1090863"/>
           </a:xfrm>
         </p:spPr>
@@ -11205,10 +11801,10 @@
           <a:lstStyle/>
           <a:p>
             <a:r>
-              <a:rPr lang="it-CH" sz="6000" dirty="0" smtClean="0"/>
+              <a:rPr lang="it-CH" sz="4800" dirty="0" smtClean="0"/>
               <a:t>Conclusione</a:t>
             </a:r>
-            <a:endParaRPr lang="it-CH" sz="6000" dirty="0"/>
+            <a:endParaRPr lang="it-CH" sz="4800" dirty="0"/>
           </a:p>
         </p:txBody>
       </p:sp>
@@ -11220,7 +11816,7 @@
         </p:nvSpPr>
         <p:spPr>
           <a:xfrm>
-            <a:off x="3935217" y="4403558"/>
+            <a:off x="858894" y="3220358"/>
             <a:ext cx="1831079" cy="461665"/>
           </a:xfrm>
           <a:prstGeom prst="rect">
@@ -11256,13 +11852,223 @@
       </p:sp>
       <p:sp>
         <p:nvSpPr>
-          <p:cNvPr id="5" name="CasellaDiTesto 4"/>
+          <p:cNvPr id="6" name="CasellaDiTesto 5"/>
           <p:cNvSpPr txBox="1"/>
           <p:nvPr/>
         </p:nvSpPr>
         <p:spPr>
           <a:xfrm>
-            <a:off x="5510463" y="1138807"/>
+            <a:off x="862998" y="1600472"/>
+            <a:ext cx="1401346" cy="461665"/>
+          </a:xfrm>
+          <a:prstGeom prst="rect">
+            <a:avLst/>
+          </a:prstGeom>
+          <a:noFill/>
+        </p:spPr>
+        <p:txBody>
+          <a:bodyPr wrap="none" rtlCol="0">
+            <a:spAutoFit/>
+          </a:bodyPr>
+          <a:lstStyle/>
+          <a:p>
+            <a:r>
+              <a:rPr lang="it-CH" sz="2400" dirty="0" smtClean="0">
+                <a:solidFill>
+                  <a:schemeClr val="accent1">
+                    <a:lumMod val="50000"/>
+                  </a:schemeClr>
+                </a:solidFill>
+              </a:rPr>
+              <a:t>Problemi</a:t>
+            </a:r>
+            <a:endParaRPr lang="it-CH" sz="2400" dirty="0">
+              <a:solidFill>
+                <a:schemeClr val="accent1">
+                  <a:lumMod val="50000"/>
+                </a:schemeClr>
+              </a:solidFill>
+            </a:endParaRPr>
+          </a:p>
+        </p:txBody>
+      </p:sp>
+      <p:sp>
+        <p:nvSpPr>
+          <p:cNvPr id="7" name="CasellaDiTesto 6"/>
+          <p:cNvSpPr txBox="1"/>
+          <p:nvPr/>
+        </p:nvSpPr>
+        <p:spPr>
+          <a:xfrm>
+            <a:off x="862998" y="2410415"/>
+            <a:ext cx="1412566" cy="461665"/>
+          </a:xfrm>
+          <a:prstGeom prst="rect">
+            <a:avLst/>
+          </a:prstGeom>
+          <a:noFill/>
+        </p:spPr>
+        <p:txBody>
+          <a:bodyPr wrap="none" rtlCol="0">
+            <a:spAutoFit/>
+          </a:bodyPr>
+          <a:lstStyle/>
+          <a:p>
+            <a:r>
+              <a:rPr lang="it-CH" sz="2400" dirty="0" smtClean="0">
+                <a:solidFill>
+                  <a:schemeClr val="accent1">
+                    <a:lumMod val="50000"/>
+                  </a:schemeClr>
+                </a:solidFill>
+              </a:rPr>
+              <a:t>Soluzioni</a:t>
+            </a:r>
+            <a:endParaRPr lang="it-CH" sz="2400" dirty="0">
+              <a:solidFill>
+                <a:schemeClr val="accent1">
+                  <a:lumMod val="50000"/>
+                </a:schemeClr>
+              </a:solidFill>
+            </a:endParaRPr>
+          </a:p>
+        </p:txBody>
+      </p:sp>
+      <p:pic>
+        <p:nvPicPr>
+          <p:cNvPr id="8" name="Immagine 7"/>
+          <p:cNvPicPr>
+            <a:picLocks noChangeAspect="1"/>
+          </p:cNvPicPr>
+          <p:nvPr/>
+        </p:nvPicPr>
+        <p:blipFill>
+          <a:blip r:embed="rId3"/>
+          <a:stretch>
+            <a:fillRect/>
+          </a:stretch>
+        </p:blipFill>
+        <p:spPr>
+          <a:xfrm>
+            <a:off x="6096000" y="3682023"/>
+            <a:ext cx="5075397" cy="2783168"/>
+          </a:xfrm>
+          <a:prstGeom prst="rect">
+            <a:avLst/>
+          </a:prstGeom>
+          <a:ln w="38100">
+            <a:solidFill>
+              <a:schemeClr val="accent1"/>
+            </a:solidFill>
+          </a:ln>
+        </p:spPr>
+      </p:pic>
+      <p:pic>
+        <p:nvPicPr>
+          <p:cNvPr id="13" name="Segnaposto contenuto 3"/>
+          <p:cNvPicPr>
+            <a:picLocks noGrp="1" noChangeAspect="1"/>
+          </p:cNvPicPr>
+          <p:nvPr>
+            <p:ph idx="1"/>
+          </p:nvPr>
+        </p:nvPicPr>
+        <p:blipFill>
+          <a:blip r:embed="rId4"/>
+          <a:stretch>
+            <a:fillRect/>
+          </a:stretch>
+        </p:blipFill>
+        <p:spPr>
+          <a:xfrm>
+            <a:off x="6095999" y="210590"/>
+            <a:ext cx="5075397" cy="3009768"/>
+          </a:xfrm>
+          <a:prstGeom prst="rect">
+            <a:avLst/>
+          </a:prstGeom>
+          <a:ln w="38100">
+            <a:solidFill>
+              <a:schemeClr val="accent1"/>
+            </a:solidFill>
+          </a:ln>
+        </p:spPr>
+      </p:pic>
+      <p:cxnSp>
+        <p:nvCxnSpPr>
+          <p:cNvPr id="15" name="Connettore 2 14"/>
+          <p:cNvCxnSpPr/>
+          <p:nvPr/>
+        </p:nvCxnSpPr>
+        <p:spPr>
+          <a:xfrm flipV="1">
+            <a:off x="2995863" y="2062137"/>
+            <a:ext cx="2863516" cy="1389053"/>
+          </a:xfrm>
+          <a:prstGeom prst="straightConnector1">
+            <a:avLst/>
+          </a:prstGeom>
+          <a:ln w="38100">
+            <a:tailEnd type="triangle"/>
+          </a:ln>
+        </p:spPr>
+        <p:style>
+          <a:lnRef idx="1">
+            <a:schemeClr val="accent1"/>
+          </a:lnRef>
+          <a:fillRef idx="0">
+            <a:schemeClr val="accent1"/>
+          </a:fillRef>
+          <a:effectRef idx="0">
+            <a:schemeClr val="accent1"/>
+          </a:effectRef>
+          <a:fontRef idx="minor">
+            <a:schemeClr val="tx1"/>
+          </a:fontRef>
+        </p:style>
+      </p:cxnSp>
+      <p:cxnSp>
+        <p:nvCxnSpPr>
+          <p:cNvPr id="16" name="Connettore 2 15"/>
+          <p:cNvCxnSpPr/>
+          <p:nvPr/>
+        </p:nvCxnSpPr>
+        <p:spPr>
+          <a:xfrm>
+            <a:off x="2977270" y="3451190"/>
+            <a:ext cx="3002425" cy="1192999"/>
+          </a:xfrm>
+          <a:prstGeom prst="straightConnector1">
+            <a:avLst/>
+          </a:prstGeom>
+          <a:ln w="38100">
+            <a:tailEnd type="triangle"/>
+          </a:ln>
+        </p:spPr>
+        <p:style>
+          <a:lnRef idx="1">
+            <a:schemeClr val="accent1"/>
+          </a:lnRef>
+          <a:fillRef idx="0">
+            <a:schemeClr val="accent1"/>
+          </a:fillRef>
+          <a:effectRef idx="0">
+            <a:schemeClr val="accent1"/>
+          </a:effectRef>
+          <a:fontRef idx="minor">
+            <a:schemeClr val="tx1"/>
+          </a:fontRef>
+        </p:style>
+      </p:cxnSp>
+      <p:sp>
+        <p:nvSpPr>
+          <p:cNvPr id="19" name="CasellaDiTesto 18"/>
+          <p:cNvSpPr txBox="1"/>
+          <p:nvPr/>
+        </p:nvSpPr>
+        <p:spPr>
+          <a:xfrm>
+            <a:off x="858894" y="4030301"/>
             <a:ext cx="3348994" cy="461665"/>
           </a:xfrm>
           <a:prstGeom prst="rect">
@@ -11285,90 +12091,6 @@
                 </a:solidFill>
               </a:rPr>
               <a:t>Commenti sul progetto</a:t>
-            </a:r>
-            <a:endParaRPr lang="it-CH" sz="2400" dirty="0">
-              <a:solidFill>
-                <a:schemeClr val="accent1">
-                  <a:lumMod val="50000"/>
-                </a:schemeClr>
-              </a:solidFill>
-            </a:endParaRPr>
-          </a:p>
-        </p:txBody>
-      </p:sp>
-      <p:sp>
-        <p:nvSpPr>
-          <p:cNvPr id="6" name="CasellaDiTesto 5"/>
-          <p:cNvSpPr txBox="1"/>
-          <p:nvPr/>
-        </p:nvSpPr>
-        <p:spPr>
-          <a:xfrm>
-            <a:off x="7303168" y="4403558"/>
-            <a:ext cx="1401346" cy="461665"/>
-          </a:xfrm>
-          <a:prstGeom prst="rect">
-            <a:avLst/>
-          </a:prstGeom>
-          <a:noFill/>
-        </p:spPr>
-        <p:txBody>
-          <a:bodyPr wrap="none" rtlCol="0">
-            <a:spAutoFit/>
-          </a:bodyPr>
-          <a:lstStyle/>
-          <a:p>
-            <a:r>
-              <a:rPr lang="it-CH" sz="2400" dirty="0" smtClean="0">
-                <a:solidFill>
-                  <a:schemeClr val="accent1">
-                    <a:lumMod val="50000"/>
-                  </a:schemeClr>
-                </a:solidFill>
-              </a:rPr>
-              <a:t>Problemi</a:t>
-            </a:r>
-            <a:endParaRPr lang="it-CH" sz="2400" dirty="0">
-              <a:solidFill>
-                <a:schemeClr val="accent1">
-                  <a:lumMod val="50000"/>
-                </a:schemeClr>
-              </a:solidFill>
-            </a:endParaRPr>
-          </a:p>
-        </p:txBody>
-      </p:sp>
-      <p:sp>
-        <p:nvSpPr>
-          <p:cNvPr id="7" name="CasellaDiTesto 6"/>
-          <p:cNvSpPr txBox="1"/>
-          <p:nvPr/>
-        </p:nvSpPr>
-        <p:spPr>
-          <a:xfrm>
-            <a:off x="2264344" y="2247808"/>
-            <a:ext cx="1412566" cy="461665"/>
-          </a:xfrm>
-          <a:prstGeom prst="rect">
-            <a:avLst/>
-          </a:prstGeom>
-          <a:noFill/>
-        </p:spPr>
-        <p:txBody>
-          <a:bodyPr wrap="none" rtlCol="0">
-            <a:spAutoFit/>
-          </a:bodyPr>
-          <a:lstStyle/>
-          <a:p>
-            <a:r>
-              <a:rPr lang="it-CH" sz="2400" dirty="0" smtClean="0">
-                <a:solidFill>
-                  <a:schemeClr val="accent1">
-                    <a:lumMod val="50000"/>
-                  </a:schemeClr>
-                </a:solidFill>
-              </a:rPr>
-              <a:t>Soluzioni</a:t>
             </a:r>
             <a:endParaRPr lang="it-CH" sz="2400" dirty="0">
               <a:solidFill>
@@ -11530,6 +12252,146 @@
                                   </p:childTnLst>
                                 </p:cTn>
                               </p:par>
+                              <p:par>
+                                <p:cTn id="15" presetID="22" presetClass="entr" presetSubtype="8" fill="hold" nodeType="withEffect">
+                                  <p:stCondLst>
+                                    <p:cond delay="0"/>
+                                  </p:stCondLst>
+                                  <p:childTnLst>
+                                    <p:set>
+                                      <p:cBhvr>
+                                        <p:cTn id="16" dur="1" fill="hold">
+                                          <p:stCondLst>
+                                            <p:cond delay="0"/>
+                                          </p:stCondLst>
+                                        </p:cTn>
+                                        <p:tgtEl>
+                                          <p:spTgt spid="8"/>
+                                        </p:tgtEl>
+                                        <p:attrNameLst>
+                                          <p:attrName>style.visibility</p:attrName>
+                                        </p:attrNameLst>
+                                      </p:cBhvr>
+                                      <p:to>
+                                        <p:strVal val="visible"/>
+                                      </p:to>
+                                    </p:set>
+                                    <p:animEffect transition="in" filter="wipe(left)">
+                                      <p:cBhvr>
+                                        <p:cTn id="17" dur="500"/>
+                                        <p:tgtEl>
+                                          <p:spTgt spid="8"/>
+                                        </p:tgtEl>
+                                      </p:cBhvr>
+                                    </p:animEffect>
+                                  </p:childTnLst>
+                                </p:cTn>
+                              </p:par>
+                              <p:par>
+                                <p:cTn id="18" presetID="22" presetClass="entr" presetSubtype="8" fill="hold" nodeType="withEffect">
+                                  <p:stCondLst>
+                                    <p:cond delay="0"/>
+                                  </p:stCondLst>
+                                  <p:childTnLst>
+                                    <p:set>
+                                      <p:cBhvr>
+                                        <p:cTn id="19" dur="1" fill="hold">
+                                          <p:stCondLst>
+                                            <p:cond delay="0"/>
+                                          </p:stCondLst>
+                                        </p:cTn>
+                                        <p:tgtEl>
+                                          <p:spTgt spid="16"/>
+                                        </p:tgtEl>
+                                        <p:attrNameLst>
+                                          <p:attrName>style.visibility</p:attrName>
+                                        </p:attrNameLst>
+                                      </p:cBhvr>
+                                      <p:to>
+                                        <p:strVal val="visible"/>
+                                      </p:to>
+                                    </p:set>
+                                    <p:animEffect transition="in" filter="wipe(left)">
+                                      <p:cBhvr>
+                                        <p:cTn id="20" dur="500"/>
+                                        <p:tgtEl>
+                                          <p:spTgt spid="16"/>
+                                        </p:tgtEl>
+                                      </p:cBhvr>
+                                    </p:animEffect>
+                                  </p:childTnLst>
+                                </p:cTn>
+                              </p:par>
+                              <p:par>
+                                <p:cTn id="21" presetID="22" presetClass="entr" presetSubtype="8" fill="hold" nodeType="withEffect">
+                                  <p:stCondLst>
+                                    <p:cond delay="0"/>
+                                  </p:stCondLst>
+                                  <p:childTnLst>
+                                    <p:set>
+                                      <p:cBhvr>
+                                        <p:cTn id="22" dur="1" fill="hold">
+                                          <p:stCondLst>
+                                            <p:cond delay="0"/>
+                                          </p:stCondLst>
+                                        </p:cTn>
+                                        <p:tgtEl>
+                                          <p:spTgt spid="15"/>
+                                        </p:tgtEl>
+                                        <p:attrNameLst>
+                                          <p:attrName>style.visibility</p:attrName>
+                                        </p:attrNameLst>
+                                      </p:cBhvr>
+                                      <p:to>
+                                        <p:strVal val="visible"/>
+                                      </p:to>
+                                    </p:set>
+                                    <p:animEffect transition="in" filter="wipe(left)">
+                                      <p:cBhvr>
+                                        <p:cTn id="23" dur="500"/>
+                                        <p:tgtEl>
+                                          <p:spTgt spid="15"/>
+                                        </p:tgtEl>
+                                      </p:cBhvr>
+                                    </p:animEffect>
+                                  </p:childTnLst>
+                                </p:cTn>
+                              </p:par>
+                              <p:par>
+                                <p:cTn id="24" presetID="22" presetClass="entr" presetSubtype="8" fill="hold" nodeType="withEffect">
+                                  <p:stCondLst>
+                                    <p:cond delay="0"/>
+                                  </p:stCondLst>
+                                  <p:childTnLst>
+                                    <p:set>
+                                      <p:cBhvr>
+                                        <p:cTn id="25" dur="1" fill="hold">
+                                          <p:stCondLst>
+                                            <p:cond delay="0"/>
+                                          </p:stCondLst>
+                                        </p:cTn>
+                                        <p:tgtEl>
+                                          <p:spTgt spid="13"/>
+                                        </p:tgtEl>
+                                        <p:attrNameLst>
+                                          <p:attrName>style.visibility</p:attrName>
+                                        </p:attrNameLst>
+                                      </p:cBhvr>
+                                      <p:to>
+                                        <p:strVal val="visible"/>
+                                      </p:to>
+                                    </p:set>
+                                    <p:animEffect transition="in" filter="wipe(left)">
+                                      <p:cBhvr>
+                                        <p:cTn id="26" dur="500"/>
+                                        <p:tgtEl>
+                                          <p:spTgt spid="13"/>
+                                        </p:tgtEl>
+                                      </p:cBhvr>
+                                    </p:animEffect>
+                                  </p:childTnLst>
+                                </p:cTn>
+                              </p:par>
                             </p:childTnLst>
                           </p:cTn>
                         </p:par>
@@ -11537,32 +12399,32 @@
                     </p:cTn>
                   </p:par>
                   <p:par>
-                    <p:cTn id="15" fill="hold">
+                    <p:cTn id="27" fill="hold">
                       <p:stCondLst>
                         <p:cond delay="indefinite"/>
                       </p:stCondLst>
                       <p:childTnLst>
                         <p:par>
-                          <p:cTn id="16" fill="hold">
+                          <p:cTn id="28" fill="hold">
                             <p:stCondLst>
                               <p:cond delay="0"/>
                             </p:stCondLst>
                             <p:childTnLst>
                               <p:par>
-                                <p:cTn id="17" presetID="1" presetClass="entr" presetSubtype="0" fill="hold" grpId="0" nodeType="clickEffect">
+                                <p:cTn id="29" presetID="1" presetClass="entr" presetSubtype="0" fill="hold" grpId="0" nodeType="clickEffect">
                                   <p:stCondLst>
                                     <p:cond delay="0"/>
                                   </p:stCondLst>
                                   <p:childTnLst>
                                     <p:set>
                                       <p:cBhvr>
-                                        <p:cTn id="18" dur="1" fill="hold">
+                                        <p:cTn id="30" dur="1" fill="hold">
                                           <p:stCondLst>
                                             <p:cond delay="0"/>
                                           </p:stCondLst>
                                         </p:cTn>
                                         <p:tgtEl>
-                                          <p:spTgt spid="5"/>
+                                          <p:spTgt spid="19"/>
                                         </p:tgtEl>
                                         <p:attrNameLst>
                                           <p:attrName>style.visibility</p:attrName>
@@ -11604,15 +12466,15 @@
     </p:tnLst>
     <p:bldLst>
       <p:bldP spid="4" grpId="0"/>
-      <p:bldP spid="5" grpId="0"/>
       <p:bldP spid="6" grpId="0"/>
       <p:bldP spid="7" grpId="0"/>
+      <p:bldP spid="19" grpId="0"/>
     </p:bldLst>
   </p:timing>
 </p:sld>
 </file>
 
-<file path=ppt/slides/slide15.xml><?xml version="1.0" encoding="utf-8"?>
+<file path=ppt/slides/slide16.xml><?xml version="1.0" encoding="utf-8"?>
 <p:sld xmlns:a="http://schemas.openxmlformats.org/drawingml/2006/main" xmlns:r="http://schemas.openxmlformats.org/officeDocument/2006/relationships" xmlns:p="http://schemas.openxmlformats.org/presentationml/2006/main">
   <p:cSld>
     <p:spTree>
@@ -11759,17 +12621,19 @@
         <p:spPr/>
         <p:txBody>
           <a:bodyPr>
-            <a:normAutofit lnSpcReduction="10000"/>
+            <a:normAutofit fontScale="92500" lnSpcReduction="20000"/>
           </a:bodyPr>
           <a:lstStyle/>
           <a:p>
             <a:r>
               <a:rPr lang="it-CH" sz="2400" dirty="0" smtClean="0"/>
-              <a:t>Obbiettivo del progetto (QDC</a:t>
-            </a:r>
+              <a:t>Obbiettivo del progetto (QDC)</a:t>
+            </a:r>
+          </a:p>
+          <a:p>
             <a:r>
               <a:rPr lang="it-CH" sz="2400" dirty="0" smtClean="0"/>
-              <a:t>)</a:t>
+              <a:t>GANNT iniziale</a:t>
             </a:r>
           </a:p>
           <a:p>
@@ -11783,7 +12647,6 @@
               <a:rPr lang="it-CH" sz="2400" dirty="0" smtClean="0"/>
               <a:t>Implementazione</a:t>
             </a:r>
-            <a:endParaRPr lang="it-CH" sz="2400" dirty="0" smtClean="0"/>
           </a:p>
           <a:p>
             <a:pPr lvl="1"/>
@@ -11812,20 +12675,19 @@
               <a:rPr lang="it-CH" sz="2000" dirty="0" smtClean="0"/>
               <a:t>Visualizzazione dati</a:t>
             </a:r>
-            <a:endParaRPr lang="it-CH" sz="2000" dirty="0" smtClean="0"/>
           </a:p>
           <a:p>
             <a:r>
               <a:rPr lang="it-CH" sz="2400" dirty="0" smtClean="0"/>
               <a:t>Test</a:t>
             </a:r>
-            <a:endParaRPr lang="it-CH" sz="2400" dirty="0" smtClean="0"/>
-          </a:p>
-          <a:p>
-            <a:r>
-              <a:rPr lang="it-CH" sz="2400" dirty="0"/>
-              <a:t>Conclusione</a:t>
-            </a:r>
+          </a:p>
+          <a:p>
+            <a:r>
+              <a:rPr lang="it-CH" sz="2400" dirty="0" smtClean="0"/>
+              <a:t>Conclusione (GANNT finale)</a:t>
+            </a:r>
+            <a:endParaRPr lang="it-CH" sz="2400" dirty="0"/>
           </a:p>
           <a:p>
             <a:pPr lvl="1"/>
@@ -11961,21 +12823,30 @@
                             </p:childTnLst>
                           </p:cTn>
                         </p:par>
+                      </p:childTnLst>
+                    </p:cTn>
+                  </p:par>
+                  <p:par>
+                    <p:cTn id="9" fill="hold">
+                      <p:stCondLst>
+                        <p:cond delay="indefinite"/>
+                      </p:stCondLst>
+                      <p:childTnLst>
                         <p:par>
-                          <p:cTn id="9" fill="hold">
+                          <p:cTn id="10" fill="hold">
                             <p:stCondLst>
-                              <p:cond delay="500"/>
+                              <p:cond delay="0"/>
                             </p:stCondLst>
                             <p:childTnLst>
                               <p:par>
-                                <p:cTn id="10" presetID="2" presetClass="entr" presetSubtype="8" fill="hold" grpId="0" nodeType="afterEffect">
+                                <p:cTn id="11" presetID="2" presetClass="entr" presetSubtype="8" fill="hold" grpId="0" nodeType="clickEffect">
                                   <p:stCondLst>
                                     <p:cond delay="0"/>
                                   </p:stCondLst>
                                   <p:childTnLst>
                                     <p:set>
                                       <p:cBhvr>
-                                        <p:cTn id="11" dur="1" fill="hold">
+                                        <p:cTn id="12" dur="1" fill="hold">
                                           <p:stCondLst>
                                             <p:cond delay="0"/>
                                           </p:stCondLst>
@@ -11997,7 +12868,7 @@
                                     </p:set>
                                     <p:anim calcmode="lin" valueType="num">
                                       <p:cBhvr additive="base">
-                                        <p:cTn id="12" dur="500" fill="hold"/>
+                                        <p:cTn id="13" dur="500" fill="hold"/>
                                         <p:tgtEl>
                                           <p:spTgt spid="3">
                                             <p:txEl>
@@ -12024,7 +12895,7 @@
                                     </p:anim>
                                     <p:anim calcmode="lin" valueType="num">
                                       <p:cBhvr additive="base">
-                                        <p:cTn id="13" dur="500" fill="hold"/>
+                                        <p:cTn id="14" dur="500" fill="hold"/>
                                         <p:tgtEl>
                                           <p:spTgt spid="3">
                                             <p:txEl>
@@ -12056,20 +12927,20 @@
                           </p:cTn>
                         </p:par>
                         <p:par>
-                          <p:cTn id="14" fill="hold">
+                          <p:cTn id="15" fill="hold">
                             <p:stCondLst>
-                              <p:cond delay="1000"/>
+                              <p:cond delay="500"/>
                             </p:stCondLst>
                             <p:childTnLst>
                               <p:par>
-                                <p:cTn id="15" presetID="2" presetClass="entr" presetSubtype="8" fill="hold" grpId="0" nodeType="afterEffect">
+                                <p:cTn id="16" presetID="2" presetClass="entr" presetSubtype="8" fill="hold" grpId="0" nodeType="afterEffect">
                                   <p:stCondLst>
                                     <p:cond delay="0"/>
                                   </p:stCondLst>
                                   <p:childTnLst>
                                     <p:set>
                                       <p:cBhvr>
-                                        <p:cTn id="16" dur="1" fill="hold">
+                                        <p:cTn id="17" dur="1" fill="hold">
                                           <p:stCondLst>
                                             <p:cond delay="0"/>
                                           </p:stCondLst>
@@ -12091,7 +12962,7 @@
                                     </p:set>
                                     <p:anim calcmode="lin" valueType="num">
                                       <p:cBhvr additive="base">
-                                        <p:cTn id="17" dur="500" fill="hold"/>
+                                        <p:cTn id="18" dur="500" fill="hold"/>
                                         <p:tgtEl>
                                           <p:spTgt spid="3">
                                             <p:txEl>
@@ -12118,7 +12989,7 @@
                                     </p:anim>
                                     <p:anim calcmode="lin" valueType="num">
                                       <p:cBhvr additive="base">
-                                        <p:cTn id="18" dur="500" fill="hold"/>
+                                        <p:cTn id="19" dur="500" fill="hold"/>
                                         <p:tgtEl>
                                           <p:spTgt spid="3">
                                             <p:txEl>
@@ -12150,20 +13021,20 @@
                           </p:cTn>
                         </p:par>
                         <p:par>
-                          <p:cTn id="19" fill="hold">
+                          <p:cTn id="20" fill="hold">
                             <p:stCondLst>
-                              <p:cond delay="1500"/>
+                              <p:cond delay="1000"/>
                             </p:stCondLst>
                             <p:childTnLst>
                               <p:par>
-                                <p:cTn id="20" presetID="2" presetClass="entr" presetSubtype="8" fill="hold" grpId="0" nodeType="afterEffect">
+                                <p:cTn id="21" presetID="2" presetClass="entr" presetSubtype="8" fill="hold" grpId="0" nodeType="afterEffect">
                                   <p:stCondLst>
                                     <p:cond delay="0"/>
                                   </p:stCondLst>
                                   <p:childTnLst>
                                     <p:set>
                                       <p:cBhvr>
-                                        <p:cTn id="21" dur="1" fill="hold">
+                                        <p:cTn id="22" dur="1" fill="hold">
                                           <p:stCondLst>
                                             <p:cond delay="0"/>
                                           </p:stCondLst>
@@ -12185,7 +13056,7 @@
                                     </p:set>
                                     <p:anim calcmode="lin" valueType="num">
                                       <p:cBhvr additive="base">
-                                        <p:cTn id="22" dur="500" fill="hold"/>
+                                        <p:cTn id="23" dur="500" fill="hold"/>
                                         <p:tgtEl>
                                           <p:spTgt spid="3">
                                             <p:txEl>
@@ -12212,7 +13083,7 @@
                                     </p:anim>
                                     <p:anim calcmode="lin" valueType="num">
                                       <p:cBhvr additive="base">
-                                        <p:cTn id="23" dur="500" fill="hold"/>
+                                        <p:cTn id="24" dur="500" fill="hold"/>
                                         <p:tgtEl>
                                           <p:spTgt spid="3">
                                             <p:txEl>
@@ -12244,20 +13115,20 @@
                           </p:cTn>
                         </p:par>
                         <p:par>
-                          <p:cTn id="24" fill="hold">
+                          <p:cTn id="25" fill="hold">
                             <p:stCondLst>
-                              <p:cond delay="2000"/>
+                              <p:cond delay="1500"/>
                             </p:stCondLst>
                             <p:childTnLst>
                               <p:par>
-                                <p:cTn id="25" presetID="2" presetClass="entr" presetSubtype="8" fill="hold" grpId="0" nodeType="afterEffect">
+                                <p:cTn id="26" presetID="2" presetClass="entr" presetSubtype="8" fill="hold" grpId="0" nodeType="afterEffect">
                                   <p:stCondLst>
                                     <p:cond delay="0"/>
                                   </p:stCondLst>
                                   <p:childTnLst>
                                     <p:set>
                                       <p:cBhvr>
-                                        <p:cTn id="26" dur="1" fill="hold">
+                                        <p:cTn id="27" dur="1" fill="hold">
                                           <p:stCondLst>
                                             <p:cond delay="0"/>
                                           </p:stCondLst>
@@ -12279,7 +13150,7 @@
                                     </p:set>
                                     <p:anim calcmode="lin" valueType="num">
                                       <p:cBhvr additive="base">
-                                        <p:cTn id="27" dur="500" fill="hold"/>
+                                        <p:cTn id="28" dur="500" fill="hold"/>
                                         <p:tgtEl>
                                           <p:spTgt spid="3">
                                             <p:txEl>
@@ -12306,7 +13177,7 @@
                                     </p:anim>
                                     <p:anim calcmode="lin" valueType="num">
                                       <p:cBhvr additive="base">
-                                        <p:cTn id="28" dur="500" fill="hold"/>
+                                        <p:cTn id="29" dur="500" fill="hold"/>
                                         <p:tgtEl>
                                           <p:spTgt spid="3">
                                             <p:txEl>
@@ -12338,20 +13209,20 @@
                           </p:cTn>
                         </p:par>
                         <p:par>
-                          <p:cTn id="29" fill="hold">
+                          <p:cTn id="30" fill="hold">
                             <p:stCondLst>
-                              <p:cond delay="2500"/>
+                              <p:cond delay="2000"/>
                             </p:stCondLst>
                             <p:childTnLst>
                               <p:par>
-                                <p:cTn id="30" presetID="2" presetClass="entr" presetSubtype="8" fill="hold" grpId="0" nodeType="afterEffect">
+                                <p:cTn id="31" presetID="2" presetClass="entr" presetSubtype="8" fill="hold" grpId="0" nodeType="afterEffect">
                                   <p:stCondLst>
                                     <p:cond delay="0"/>
                                   </p:stCondLst>
                                   <p:childTnLst>
                                     <p:set>
                                       <p:cBhvr>
-                                        <p:cTn id="31" dur="1" fill="hold">
+                                        <p:cTn id="32" dur="1" fill="hold">
                                           <p:stCondLst>
                                             <p:cond delay="0"/>
                                           </p:stCondLst>
@@ -12373,7 +13244,7 @@
                                     </p:set>
                                     <p:anim calcmode="lin" valueType="num">
                                       <p:cBhvr additive="base">
-                                        <p:cTn id="32" dur="500" fill="hold"/>
+                                        <p:cTn id="33" dur="500" fill="hold"/>
                                         <p:tgtEl>
                                           <p:spTgt spid="3">
                                             <p:txEl>
@@ -12400,7 +13271,7 @@
                                     </p:anim>
                                     <p:anim calcmode="lin" valueType="num">
                                       <p:cBhvr additive="base">
-                                        <p:cTn id="33" dur="500" fill="hold"/>
+                                        <p:cTn id="34" dur="500" fill="hold"/>
                                         <p:tgtEl>
                                           <p:spTgt spid="3">
                                             <p:txEl>
@@ -12432,20 +13303,20 @@
                           </p:cTn>
                         </p:par>
                         <p:par>
-                          <p:cTn id="34" fill="hold">
+                          <p:cTn id="35" fill="hold">
                             <p:stCondLst>
-                              <p:cond delay="3000"/>
+                              <p:cond delay="2500"/>
                             </p:stCondLst>
                             <p:childTnLst>
                               <p:par>
-                                <p:cTn id="35" presetID="2" presetClass="entr" presetSubtype="8" fill="hold" grpId="0" nodeType="afterEffect">
+                                <p:cTn id="36" presetID="2" presetClass="entr" presetSubtype="8" fill="hold" grpId="0" nodeType="afterEffect">
                                   <p:stCondLst>
                                     <p:cond delay="0"/>
                                   </p:stCondLst>
                                   <p:childTnLst>
                                     <p:set>
                                       <p:cBhvr>
-                                        <p:cTn id="36" dur="1" fill="hold">
+                                        <p:cTn id="37" dur="1" fill="hold">
                                           <p:stCondLst>
                                             <p:cond delay="0"/>
                                           </p:stCondLst>
@@ -12467,7 +13338,7 @@
                                     </p:set>
                                     <p:anim calcmode="lin" valueType="num">
                                       <p:cBhvr additive="base">
-                                        <p:cTn id="37" dur="500" fill="hold"/>
+                                        <p:cTn id="38" dur="500" fill="hold"/>
                                         <p:tgtEl>
                                           <p:spTgt spid="3">
                                             <p:txEl>
@@ -12494,7 +13365,7 @@
                                     </p:anim>
                                     <p:anim calcmode="lin" valueType="num">
                                       <p:cBhvr additive="base">
-                                        <p:cTn id="38" dur="500" fill="hold"/>
+                                        <p:cTn id="39" dur="500" fill="hold"/>
                                         <p:tgtEl>
                                           <p:spTgt spid="3">
                                             <p:txEl>
@@ -12526,20 +13397,20 @@
                           </p:cTn>
                         </p:par>
                         <p:par>
-                          <p:cTn id="39" fill="hold">
+                          <p:cTn id="40" fill="hold">
                             <p:stCondLst>
-                              <p:cond delay="3500"/>
+                              <p:cond delay="3000"/>
                             </p:stCondLst>
                             <p:childTnLst>
                               <p:par>
-                                <p:cTn id="40" presetID="2" presetClass="entr" presetSubtype="8" fill="hold" grpId="0" nodeType="afterEffect">
+                                <p:cTn id="41" presetID="2" presetClass="entr" presetSubtype="8" fill="hold" grpId="0" nodeType="afterEffect">
                                   <p:stCondLst>
                                     <p:cond delay="0"/>
                                   </p:stCondLst>
                                   <p:childTnLst>
                                     <p:set>
                                       <p:cBhvr>
-                                        <p:cTn id="41" dur="1" fill="hold">
+                                        <p:cTn id="42" dur="1" fill="hold">
                                           <p:stCondLst>
                                             <p:cond delay="0"/>
                                           </p:stCondLst>
@@ -12561,7 +13432,7 @@
                                     </p:set>
                                     <p:anim calcmode="lin" valueType="num">
                                       <p:cBhvr additive="base">
-                                        <p:cTn id="42" dur="500" fill="hold"/>
+                                        <p:cTn id="43" dur="500" fill="hold"/>
                                         <p:tgtEl>
                                           <p:spTgt spid="3">
                                             <p:txEl>
@@ -12588,7 +13459,7 @@
                                     </p:anim>
                                     <p:anim calcmode="lin" valueType="num">
                                       <p:cBhvr additive="base">
-                                        <p:cTn id="43" dur="500" fill="hold"/>
+                                        <p:cTn id="44" dur="500" fill="hold"/>
                                         <p:tgtEl>
                                           <p:spTgt spid="3">
                                             <p:txEl>
@@ -12620,20 +13491,20 @@
                           </p:cTn>
                         </p:par>
                         <p:par>
-                          <p:cTn id="44" fill="hold">
+                          <p:cTn id="45" fill="hold">
                             <p:stCondLst>
-                              <p:cond delay="4000"/>
+                              <p:cond delay="3500"/>
                             </p:stCondLst>
                             <p:childTnLst>
                               <p:par>
-                                <p:cTn id="45" presetID="2" presetClass="entr" presetSubtype="8" fill="hold" grpId="0" nodeType="afterEffect">
+                                <p:cTn id="46" presetID="2" presetClass="entr" presetSubtype="8" fill="hold" grpId="0" nodeType="afterEffect">
                                   <p:stCondLst>
                                     <p:cond delay="0"/>
                                   </p:stCondLst>
                                   <p:childTnLst>
                                     <p:set>
                                       <p:cBhvr>
-                                        <p:cTn id="46" dur="1" fill="hold">
+                                        <p:cTn id="47" dur="1" fill="hold">
                                           <p:stCondLst>
                                             <p:cond delay="0"/>
                                           </p:stCondLst>
@@ -12655,7 +13526,7 @@
                                     </p:set>
                                     <p:anim calcmode="lin" valueType="num">
                                       <p:cBhvr additive="base">
-                                        <p:cTn id="47" dur="500" fill="hold"/>
+                                        <p:cTn id="48" dur="500" fill="hold"/>
                                         <p:tgtEl>
                                           <p:spTgt spid="3">
                                             <p:txEl>
@@ -12682,11 +13553,105 @@
                                     </p:anim>
                                     <p:anim calcmode="lin" valueType="num">
                                       <p:cBhvr additive="base">
-                                        <p:cTn id="48" dur="500" fill="hold"/>
+                                        <p:cTn id="49" dur="500" fill="hold"/>
                                         <p:tgtEl>
                                           <p:spTgt spid="3">
                                             <p:txEl>
                                               <p:pRg st="8" end="8"/>
+                                            </p:txEl>
+                                          </p:spTgt>
+                                        </p:tgtEl>
+                                        <p:attrNameLst>
+                                          <p:attrName>ppt_y</p:attrName>
+                                        </p:attrNameLst>
+                                      </p:cBhvr>
+                                      <p:tavLst>
+                                        <p:tav tm="0">
+                                          <p:val>
+                                            <p:strVal val="#ppt_y"/>
+                                          </p:val>
+                                        </p:tav>
+                                        <p:tav tm="100000">
+                                          <p:val>
+                                            <p:strVal val="#ppt_y"/>
+                                          </p:val>
+                                        </p:tav>
+                                      </p:tavLst>
+                                    </p:anim>
+                                  </p:childTnLst>
+                                </p:cTn>
+                              </p:par>
+                            </p:childTnLst>
+                          </p:cTn>
+                        </p:par>
+                        <p:par>
+                          <p:cTn id="50" fill="hold">
+                            <p:stCondLst>
+                              <p:cond delay="4000"/>
+                            </p:stCondLst>
+                            <p:childTnLst>
+                              <p:par>
+                                <p:cTn id="51" presetID="2" presetClass="entr" presetSubtype="8" fill="hold" grpId="0" nodeType="afterEffect">
+                                  <p:stCondLst>
+                                    <p:cond delay="0"/>
+                                  </p:stCondLst>
+                                  <p:childTnLst>
+                                    <p:set>
+                                      <p:cBhvr>
+                                        <p:cTn id="52" dur="1" fill="hold">
+                                          <p:stCondLst>
+                                            <p:cond delay="0"/>
+                                          </p:stCondLst>
+                                        </p:cTn>
+                                        <p:tgtEl>
+                                          <p:spTgt spid="3">
+                                            <p:txEl>
+                                              <p:pRg st="9" end="9"/>
+                                            </p:txEl>
+                                          </p:spTgt>
+                                        </p:tgtEl>
+                                        <p:attrNameLst>
+                                          <p:attrName>style.visibility</p:attrName>
+                                        </p:attrNameLst>
+                                      </p:cBhvr>
+                                      <p:to>
+                                        <p:strVal val="visible"/>
+                                      </p:to>
+                                    </p:set>
+                                    <p:anim calcmode="lin" valueType="num">
+                                      <p:cBhvr additive="base">
+                                        <p:cTn id="53" dur="500" fill="hold"/>
+                                        <p:tgtEl>
+                                          <p:spTgt spid="3">
+                                            <p:txEl>
+                                              <p:pRg st="9" end="9"/>
+                                            </p:txEl>
+                                          </p:spTgt>
+                                        </p:tgtEl>
+                                        <p:attrNameLst>
+                                          <p:attrName>ppt_x</p:attrName>
+                                        </p:attrNameLst>
+                                      </p:cBhvr>
+                                      <p:tavLst>
+                                        <p:tav tm="0">
+                                          <p:val>
+                                            <p:strVal val="0-#ppt_w/2"/>
+                                          </p:val>
+                                        </p:tav>
+                                        <p:tav tm="100000">
+                                          <p:val>
+                                            <p:strVal val="#ppt_x"/>
+                                          </p:val>
+                                        </p:tav>
+                                      </p:tavLst>
+                                    </p:anim>
+                                    <p:anim calcmode="lin" valueType="num">
+                                      <p:cBhvr additive="base">
+                                        <p:cTn id="54" dur="500" fill="hold"/>
+                                        <p:tgtEl>
+                                          <p:spTgt spid="3">
+                                            <p:txEl>
+                                              <p:pRg st="9" end="9"/>
                                             </p:txEl>
                                           </p:spTgt>
                                         </p:tgtEl>
@@ -13358,6 +14323,100 @@
       </p:grpSpPr>
       <p:sp>
         <p:nvSpPr>
+          <p:cNvPr id="5" name="Titolo 4"/>
+          <p:cNvSpPr>
+            <a:spLocks noGrp="1"/>
+          </p:cNvSpPr>
+          <p:nvPr>
+            <p:ph type="title"/>
+          </p:nvPr>
+        </p:nvSpPr>
+        <p:spPr/>
+        <p:txBody>
+          <a:bodyPr/>
+          <a:lstStyle/>
+          <a:p>
+            <a:r>
+              <a:rPr lang="it-CH" dirty="0" smtClean="0"/>
+              <a:t>GANNT iniziale</a:t>
+            </a:r>
+            <a:endParaRPr lang="it-CH" dirty="0"/>
+          </a:p>
+        </p:txBody>
+      </p:sp>
+      <p:pic>
+        <p:nvPicPr>
+          <p:cNvPr id="4" name="Segnaposto contenuto 3"/>
+          <p:cNvPicPr>
+            <a:picLocks noGrp="1" noChangeAspect="1"/>
+          </p:cNvPicPr>
+          <p:nvPr>
+            <p:ph idx="1"/>
+          </p:nvPr>
+        </p:nvPicPr>
+        <p:blipFill>
+          <a:blip r:embed="rId3"/>
+          <a:stretch>
+            <a:fillRect/>
+          </a:stretch>
+        </p:blipFill>
+        <p:spPr>
+          <a:xfrm>
+            <a:off x="723899" y="1488281"/>
+            <a:ext cx="7866647" cy="4665011"/>
+          </a:xfrm>
+          <a:prstGeom prst="rect">
+            <a:avLst/>
+          </a:prstGeom>
+          <a:ln w="38100">
+            <a:solidFill>
+              <a:schemeClr val="accent1"/>
+            </a:solidFill>
+          </a:ln>
+        </p:spPr>
+      </p:pic>
+    </p:spTree>
+    <p:extLst>
+      <p:ext uri="{BB962C8B-B14F-4D97-AF65-F5344CB8AC3E}">
+        <p14:creationId xmlns:p14="http://schemas.microsoft.com/office/powerpoint/2010/main" val="2427781159"/>
+      </p:ext>
+    </p:extLst>
+  </p:cSld>
+  <p:clrMapOvr>
+    <a:masterClrMapping/>
+  </p:clrMapOvr>
+  <p:transition spd="med">
+    <p:pull/>
+  </p:transition>
+  <p:timing>
+    <p:tnLst>
+      <p:par>
+        <p:cTn id="1" dur="indefinite" restart="never" nodeType="tmRoot"/>
+      </p:par>
+    </p:tnLst>
+  </p:timing>
+</p:sld>
+</file>
+
+<file path=ppt/slides/slide5.xml><?xml version="1.0" encoding="utf-8"?>
+<p:sld xmlns:a="http://schemas.openxmlformats.org/drawingml/2006/main" xmlns:r="http://schemas.openxmlformats.org/officeDocument/2006/relationships" xmlns:p="http://schemas.openxmlformats.org/presentationml/2006/main">
+  <p:cSld>
+    <p:spTree>
+      <p:nvGrpSpPr>
+        <p:cNvPr id="1" name=""/>
+        <p:cNvGrpSpPr/>
+        <p:nvPr/>
+      </p:nvGrpSpPr>
+      <p:grpSpPr>
+        <a:xfrm>
+          <a:off x="0" y="0"/>
+          <a:ext cx="0" cy="0"/>
+          <a:chOff x="0" y="0"/>
+          <a:chExt cx="0" cy="0"/>
+        </a:xfrm>
+      </p:grpSpPr>
+      <p:sp>
+        <p:nvSpPr>
           <p:cNvPr id="2" name="Titolo 1"/>
           <p:cNvSpPr>
             <a:spLocks noGrp="1"/>
@@ -13434,7 +14493,7 @@
 </p:sld>
 </file>
 
-<file path=ppt/slides/slide5.xml><?xml version="1.0" encoding="utf-8"?>
+<file path=ppt/slides/slide6.xml><?xml version="1.0" encoding="utf-8"?>
 <p:sld xmlns:a="http://schemas.openxmlformats.org/drawingml/2006/main" xmlns:r="http://schemas.openxmlformats.org/officeDocument/2006/relationships" xmlns:p="http://schemas.openxmlformats.org/presentationml/2006/main">
   <p:cSld>
     <p:spTree>
@@ -13534,7 +14593,7 @@
 </p:sld>
 </file>
 
-<file path=ppt/slides/slide6.xml><?xml version="1.0" encoding="utf-8"?>
+<file path=ppt/slides/slide7.xml><?xml version="1.0" encoding="utf-8"?>
 <p:sld xmlns:a="http://schemas.openxmlformats.org/drawingml/2006/main" xmlns:r="http://schemas.openxmlformats.org/officeDocument/2006/relationships" xmlns:p="http://schemas.openxmlformats.org/presentationml/2006/main">
   <p:cSld>
     <p:spTree>
@@ -13696,7 +14755,7 @@
 </p:sld>
 </file>
 
-<file path=ppt/slides/slide7.xml><?xml version="1.0" encoding="utf-8"?>
+<file path=ppt/slides/slide8.xml><?xml version="1.0" encoding="utf-8"?>
 <p:sld xmlns:a="http://schemas.openxmlformats.org/drawingml/2006/main" xmlns:r="http://schemas.openxmlformats.org/officeDocument/2006/relationships" xmlns:p="http://schemas.openxmlformats.org/presentationml/2006/main">
   <p:cSld>
     <p:spTree>
@@ -13820,7 +14879,7 @@
 </p:sld>
 </file>
 
-<file path=ppt/slides/slide8.xml><?xml version="1.0" encoding="utf-8"?>
+<file path=ppt/slides/slide9.xml><?xml version="1.0" encoding="utf-8"?>
 <p:sld xmlns:a="http://schemas.openxmlformats.org/drawingml/2006/main" xmlns:r="http://schemas.openxmlformats.org/officeDocument/2006/relationships" xmlns:p="http://schemas.openxmlformats.org/presentationml/2006/main">
   <p:cSld>
     <p:spTree>
@@ -13895,498 +14954,6 @@
   </p:clrMapOvr>
   <p:transition spd="med">
     <p:pull/>
-  </p:transition>
-  <p:timing>
-    <p:tnLst>
-      <p:par>
-        <p:cTn id="1" dur="indefinite" restart="never" nodeType="tmRoot"/>
-      </p:par>
-    </p:tnLst>
-  </p:timing>
-</p:sld>
-</file>
-
-<file path=ppt/slides/slide9.xml><?xml version="1.0" encoding="utf-8"?>
-<p:sld xmlns:a="http://schemas.openxmlformats.org/drawingml/2006/main" xmlns:r="http://schemas.openxmlformats.org/officeDocument/2006/relationships" xmlns:p="http://schemas.openxmlformats.org/presentationml/2006/main">
-  <p:cSld>
-    <p:spTree>
-      <p:nvGrpSpPr>
-        <p:cNvPr id="1" name=""/>
-        <p:cNvGrpSpPr/>
-        <p:nvPr/>
-      </p:nvGrpSpPr>
-      <p:grpSpPr>
-        <a:xfrm>
-          <a:off x="0" y="0"/>
-          <a:ext cx="0" cy="0"/>
-          <a:chOff x="0" y="0"/>
-          <a:chExt cx="0" cy="0"/>
-        </a:xfrm>
-      </p:grpSpPr>
-      <p:sp>
-        <p:nvSpPr>
-          <p:cNvPr id="2" name="Titolo 1"/>
-          <p:cNvSpPr>
-            <a:spLocks noGrp="1"/>
-          </p:cNvSpPr>
-          <p:nvPr>
-            <p:ph type="title"/>
-          </p:nvPr>
-        </p:nvSpPr>
-        <p:spPr/>
-        <p:txBody>
-          <a:bodyPr/>
-          <a:lstStyle/>
-          <a:p>
-            <a:r>
-              <a:rPr lang="it-CH" dirty="0" smtClean="0"/>
-              <a:t>Implementazione –Interfaccia Definitiva</a:t>
-            </a:r>
-            <a:endParaRPr lang="it-CH" dirty="0"/>
-          </a:p>
-        </p:txBody>
-      </p:sp>
-      <p:pic>
-        <p:nvPicPr>
-          <p:cNvPr id="4" name="Segnaposto contenuto 3"/>
-          <p:cNvPicPr>
-            <a:picLocks noGrp="1" noChangeAspect="1"/>
-          </p:cNvPicPr>
-          <p:nvPr>
-            <p:ph idx="1"/>
-          </p:nvPr>
-        </p:nvPicPr>
-        <p:blipFill rotWithShape="1">
-          <a:blip r:embed="rId3"/>
-          <a:srcRect l="11182" t="581" r="9805"/>
-          <a:stretch/>
-        </p:blipFill>
-        <p:spPr>
-          <a:xfrm>
-            <a:off x="2268439" y="1270000"/>
-            <a:ext cx="7005563" cy="4958398"/>
-          </a:xfrm>
-          <a:prstGeom prst="rect">
-            <a:avLst/>
-          </a:prstGeom>
-          <a:ln w="38100">
-            <a:solidFill>
-              <a:schemeClr val="accent1"/>
-            </a:solidFill>
-          </a:ln>
-        </p:spPr>
-      </p:pic>
-      <p:grpSp>
-        <p:nvGrpSpPr>
-          <p:cNvPr id="18" name="Gruppo 17"/>
-          <p:cNvGrpSpPr/>
-          <p:nvPr/>
-        </p:nvGrpSpPr>
-        <p:grpSpPr>
-          <a:xfrm>
-            <a:off x="2268439" y="1383030"/>
-            <a:ext cx="3217949" cy="4845368"/>
-            <a:chOff x="2268439" y="1383030"/>
-            <a:chExt cx="3217949" cy="4845368"/>
-          </a:xfrm>
-        </p:grpSpPr>
-        <p:sp>
-          <p:nvSpPr>
-            <p:cNvPr id="8" name="CasellaDiTesto 7"/>
-            <p:cNvSpPr txBox="1"/>
-            <p:nvPr/>
-          </p:nvSpPr>
-          <p:spPr>
-            <a:xfrm>
-              <a:off x="2268439" y="5766733"/>
-              <a:ext cx="3083136" cy="461665"/>
-            </a:xfrm>
-            <a:prstGeom prst="rect">
-              <a:avLst/>
-            </a:prstGeom>
-            <a:noFill/>
-          </p:spPr>
-          <p:txBody>
-            <a:bodyPr wrap="square" rtlCol="0">
-              <a:spAutoFit/>
-            </a:bodyPr>
-            <a:lstStyle/>
-            <a:p>
-              <a:r>
-                <a:rPr lang="it-CH" sz="2400" dirty="0" smtClean="0">
-                  <a:solidFill>
-                    <a:srgbClr val="FF0000"/>
-                  </a:solidFill>
-                </a:rPr>
-                <a:t>*</a:t>
-              </a:r>
-              <a:r>
-                <a:rPr lang="it-CH" sz="2400" dirty="0" smtClean="0"/>
-                <a:t> Campi obbligatori</a:t>
-              </a:r>
-              <a:endParaRPr lang="it-CH" dirty="0">
-                <a:solidFill>
-                  <a:srgbClr val="FF0000"/>
-                </a:solidFill>
-              </a:endParaRPr>
-            </a:p>
-          </p:txBody>
-        </p:sp>
-        <p:sp>
-          <p:nvSpPr>
-            <p:cNvPr id="9" name="CasellaDiTesto 8"/>
-            <p:cNvSpPr txBox="1"/>
-            <p:nvPr/>
-          </p:nvSpPr>
-          <p:spPr>
-            <a:xfrm>
-              <a:off x="5216762" y="1383030"/>
-              <a:ext cx="269626" cy="369332"/>
-            </a:xfrm>
-            <a:prstGeom prst="rect">
-              <a:avLst/>
-            </a:prstGeom>
-            <a:noFill/>
-          </p:spPr>
-          <p:txBody>
-            <a:bodyPr wrap="none" rtlCol="0">
-              <a:spAutoFit/>
-            </a:bodyPr>
-            <a:lstStyle/>
-            <a:p>
-              <a:r>
-                <a:rPr lang="it-CH" dirty="0" smtClean="0">
-                  <a:solidFill>
-                    <a:srgbClr val="FF0000"/>
-                  </a:solidFill>
-                </a:rPr>
-                <a:t>*</a:t>
-              </a:r>
-              <a:endParaRPr lang="it-CH" dirty="0">
-                <a:solidFill>
-                  <a:srgbClr val="FF0000"/>
-                </a:solidFill>
-              </a:endParaRPr>
-            </a:p>
-          </p:txBody>
-        </p:sp>
-        <p:sp>
-          <p:nvSpPr>
-            <p:cNvPr id="10" name="CasellaDiTesto 9"/>
-            <p:cNvSpPr txBox="1"/>
-            <p:nvPr/>
-          </p:nvSpPr>
-          <p:spPr>
-            <a:xfrm>
-              <a:off x="5081949" y="1567696"/>
-              <a:ext cx="269626" cy="369332"/>
-            </a:xfrm>
-            <a:prstGeom prst="rect">
-              <a:avLst/>
-            </a:prstGeom>
-            <a:noFill/>
-          </p:spPr>
-          <p:txBody>
-            <a:bodyPr wrap="none" rtlCol="0">
-              <a:spAutoFit/>
-            </a:bodyPr>
-            <a:lstStyle/>
-            <a:p>
-              <a:r>
-                <a:rPr lang="it-CH" dirty="0" smtClean="0">
-                  <a:solidFill>
-                    <a:srgbClr val="FF0000"/>
-                  </a:solidFill>
-                </a:rPr>
-                <a:t>*</a:t>
-              </a:r>
-              <a:endParaRPr lang="it-CH" dirty="0">
-                <a:solidFill>
-                  <a:srgbClr val="FF0000"/>
-                </a:solidFill>
-              </a:endParaRPr>
-            </a:p>
-          </p:txBody>
-        </p:sp>
-        <p:sp>
-          <p:nvSpPr>
-            <p:cNvPr id="11" name="CasellaDiTesto 10"/>
-            <p:cNvSpPr txBox="1"/>
-            <p:nvPr/>
-          </p:nvSpPr>
-          <p:spPr>
-            <a:xfrm>
-              <a:off x="4879730" y="1752878"/>
-              <a:ext cx="269626" cy="369332"/>
-            </a:xfrm>
-            <a:prstGeom prst="rect">
-              <a:avLst/>
-            </a:prstGeom>
-            <a:noFill/>
-          </p:spPr>
-          <p:txBody>
-            <a:bodyPr wrap="none" rtlCol="0">
-              <a:spAutoFit/>
-            </a:bodyPr>
-            <a:lstStyle/>
-            <a:p>
-              <a:r>
-                <a:rPr lang="it-CH" dirty="0" smtClean="0">
-                  <a:solidFill>
-                    <a:srgbClr val="FF0000"/>
-                  </a:solidFill>
-                </a:rPr>
-                <a:t>*</a:t>
-              </a:r>
-              <a:endParaRPr lang="it-CH" dirty="0">
-                <a:solidFill>
-                  <a:srgbClr val="FF0000"/>
-                </a:solidFill>
-              </a:endParaRPr>
-            </a:p>
-          </p:txBody>
-        </p:sp>
-        <p:sp>
-          <p:nvSpPr>
-            <p:cNvPr id="12" name="CasellaDiTesto 11"/>
-            <p:cNvSpPr txBox="1"/>
-            <p:nvPr/>
-          </p:nvSpPr>
-          <p:spPr>
-            <a:xfrm>
-              <a:off x="5149356" y="1974810"/>
-              <a:ext cx="269626" cy="369332"/>
-            </a:xfrm>
-            <a:prstGeom prst="rect">
-              <a:avLst/>
-            </a:prstGeom>
-            <a:noFill/>
-          </p:spPr>
-          <p:txBody>
-            <a:bodyPr wrap="none" rtlCol="0">
-              <a:spAutoFit/>
-            </a:bodyPr>
-            <a:lstStyle/>
-            <a:p>
-              <a:r>
-                <a:rPr lang="it-CH" dirty="0" smtClean="0">
-                  <a:solidFill>
-                    <a:srgbClr val="FF0000"/>
-                  </a:solidFill>
-                </a:rPr>
-                <a:t>*</a:t>
-              </a:r>
-              <a:endParaRPr lang="it-CH" dirty="0">
-                <a:solidFill>
-                  <a:srgbClr val="FF0000"/>
-                </a:solidFill>
-              </a:endParaRPr>
-            </a:p>
-          </p:txBody>
-        </p:sp>
-        <p:sp>
-          <p:nvSpPr>
-            <p:cNvPr id="13" name="CasellaDiTesto 12"/>
-            <p:cNvSpPr txBox="1"/>
-            <p:nvPr/>
-          </p:nvSpPr>
-          <p:spPr>
-            <a:xfrm>
-              <a:off x="5049994" y="2166620"/>
-              <a:ext cx="269626" cy="369332"/>
-            </a:xfrm>
-            <a:prstGeom prst="rect">
-              <a:avLst/>
-            </a:prstGeom>
-            <a:noFill/>
-          </p:spPr>
-          <p:txBody>
-            <a:bodyPr wrap="none" rtlCol="0">
-              <a:spAutoFit/>
-            </a:bodyPr>
-            <a:lstStyle/>
-            <a:p>
-              <a:r>
-                <a:rPr lang="it-CH" dirty="0" smtClean="0">
-                  <a:solidFill>
-                    <a:srgbClr val="FF0000"/>
-                  </a:solidFill>
-                </a:rPr>
-                <a:t>*</a:t>
-              </a:r>
-              <a:endParaRPr lang="it-CH" dirty="0">
-                <a:solidFill>
-                  <a:srgbClr val="FF0000"/>
-                </a:solidFill>
-              </a:endParaRPr>
-            </a:p>
-          </p:txBody>
-        </p:sp>
-        <p:sp>
-          <p:nvSpPr>
-            <p:cNvPr id="14" name="CasellaDiTesto 13"/>
-            <p:cNvSpPr txBox="1"/>
-            <p:nvPr/>
-          </p:nvSpPr>
-          <p:spPr>
-            <a:xfrm>
-              <a:off x="4987086" y="2827020"/>
-              <a:ext cx="269626" cy="369332"/>
-            </a:xfrm>
-            <a:prstGeom prst="rect">
-              <a:avLst/>
-            </a:prstGeom>
-            <a:noFill/>
-          </p:spPr>
-          <p:txBody>
-            <a:bodyPr wrap="none" rtlCol="0">
-              <a:spAutoFit/>
-            </a:bodyPr>
-            <a:lstStyle/>
-            <a:p>
-              <a:r>
-                <a:rPr lang="it-CH" dirty="0" smtClean="0">
-                  <a:solidFill>
-                    <a:srgbClr val="FF0000"/>
-                  </a:solidFill>
-                </a:rPr>
-                <a:t>*</a:t>
-              </a:r>
-              <a:endParaRPr lang="it-CH" dirty="0">
-                <a:solidFill>
-                  <a:srgbClr val="FF0000"/>
-                </a:solidFill>
-              </a:endParaRPr>
-            </a:p>
-          </p:txBody>
-        </p:sp>
-        <p:sp>
-          <p:nvSpPr>
-            <p:cNvPr id="15" name="CasellaDiTesto 14"/>
-            <p:cNvSpPr txBox="1"/>
-            <p:nvPr/>
-          </p:nvSpPr>
-          <p:spPr>
-            <a:xfrm>
-              <a:off x="4823741" y="3011686"/>
-              <a:ext cx="269626" cy="369332"/>
-            </a:xfrm>
-            <a:prstGeom prst="rect">
-              <a:avLst/>
-            </a:prstGeom>
-            <a:noFill/>
-          </p:spPr>
-          <p:txBody>
-            <a:bodyPr wrap="none" rtlCol="0">
-              <a:spAutoFit/>
-            </a:bodyPr>
-            <a:lstStyle/>
-            <a:p>
-              <a:r>
-                <a:rPr lang="it-CH" dirty="0" smtClean="0">
-                  <a:solidFill>
-                    <a:srgbClr val="FF0000"/>
-                  </a:solidFill>
-                </a:rPr>
-                <a:t>*</a:t>
-              </a:r>
-              <a:endParaRPr lang="it-CH" dirty="0">
-                <a:solidFill>
-                  <a:srgbClr val="FF0000"/>
-                </a:solidFill>
-              </a:endParaRPr>
-            </a:p>
-          </p:txBody>
-        </p:sp>
-        <p:sp>
-          <p:nvSpPr>
-            <p:cNvPr id="16" name="CasellaDiTesto 15"/>
-            <p:cNvSpPr txBox="1"/>
-            <p:nvPr/>
-          </p:nvSpPr>
-          <p:spPr>
-            <a:xfrm>
-              <a:off x="4542673" y="3564533"/>
-              <a:ext cx="269626" cy="369332"/>
-            </a:xfrm>
-            <a:prstGeom prst="rect">
-              <a:avLst/>
-            </a:prstGeom>
-            <a:noFill/>
-          </p:spPr>
-          <p:txBody>
-            <a:bodyPr wrap="none" rtlCol="0">
-              <a:spAutoFit/>
-            </a:bodyPr>
-            <a:lstStyle/>
-            <a:p>
-              <a:r>
-                <a:rPr lang="it-CH" dirty="0" smtClean="0">
-                  <a:solidFill>
-                    <a:srgbClr val="FF0000"/>
-                  </a:solidFill>
-                </a:rPr>
-                <a:t>*</a:t>
-              </a:r>
-              <a:endParaRPr lang="it-CH" dirty="0">
-                <a:solidFill>
-                  <a:srgbClr val="FF0000"/>
-                </a:solidFill>
-              </a:endParaRPr>
-            </a:p>
-          </p:txBody>
-        </p:sp>
-        <p:sp>
-          <p:nvSpPr>
-            <p:cNvPr id="17" name="CasellaDiTesto 16"/>
-            <p:cNvSpPr txBox="1"/>
-            <p:nvPr/>
-          </p:nvSpPr>
-          <p:spPr>
-            <a:xfrm>
-              <a:off x="4273047" y="4224933"/>
-              <a:ext cx="269626" cy="369332"/>
-            </a:xfrm>
-            <a:prstGeom prst="rect">
-              <a:avLst/>
-            </a:prstGeom>
-            <a:noFill/>
-          </p:spPr>
-          <p:txBody>
-            <a:bodyPr wrap="none" rtlCol="0">
-              <a:spAutoFit/>
-            </a:bodyPr>
-            <a:lstStyle/>
-            <a:p>
-              <a:r>
-                <a:rPr lang="it-CH" dirty="0" smtClean="0">
-                  <a:solidFill>
-                    <a:srgbClr val="FF0000"/>
-                  </a:solidFill>
-                </a:rPr>
-                <a:t>*</a:t>
-              </a:r>
-              <a:endParaRPr lang="it-CH" dirty="0">
-                <a:solidFill>
-                  <a:srgbClr val="FF0000"/>
-                </a:solidFill>
-              </a:endParaRPr>
-            </a:p>
-          </p:txBody>
-        </p:sp>
-      </p:grpSp>
-    </p:spTree>
-    <p:extLst>
-      <p:ext uri="{BB962C8B-B14F-4D97-AF65-F5344CB8AC3E}">
-        <p14:creationId xmlns:p14="http://schemas.microsoft.com/office/powerpoint/2010/main" val="3084091397"/>
-      </p:ext>
-    </p:extLst>
-  </p:cSld>
-  <p:clrMapOvr>
-    <a:masterClrMapping/>
-  </p:clrMapOvr>
-  <p:transition spd="slow">
-    <p:push dir="u"/>
   </p:transition>
   <p:timing>
     <p:tnLst>
